--- a/Presentation.pptx
+++ b/Presentation.pptx
@@ -1,20 +1,20 @@
 
 <file path=ppt/presentation.xml><?xml version="1.0" encoding="utf-8"?>
-<p:presentation xmlns:a="http://schemas.openxmlformats.org/drawingml/2006/main" xmlns:r="http://schemas.openxmlformats.org/officeDocument/2006/relationships" xmlns:p="http://schemas.openxmlformats.org/presentationml/2006/main" xmlns:m="http://schemas.openxmlformats.org/officeDocument/2006/math" xmlns:a14="http://schemas.microsoft.com/office/drawing/2010/main">
+<p:presentation xmlns:a="http://schemas.openxmlformats.org/drawingml/2006/main" xmlns:r="http://schemas.openxmlformats.org/officeDocument/2006/relationships" xmlns:p="http://schemas.openxmlformats.org/presentationml/2006/main">
   <p:sldMasterIdLst>
-    <p:sldMasterId id="2147483648" r:id="rId5"/>
+    <p:sldMasterId id="2147483648" r:id="rId1"/>
   </p:sldMasterIdLst>
   <p:notesMasterIdLst>
-    <p:notesMasterId r:id="rId7"/>
+    <p:notesMasterId r:id="rId9"/>
   </p:notesMasterIdLst>
   <p:sldIdLst>
-    <p:sldId id="256" r:id="rId8"/>
-    <p:sldId id="257" r:id="rId9"/>
-    <p:sldId id="258" r:id="rId10"/>
-    <p:sldId id="259" r:id="rId11"/>
-    <p:sldId id="260" r:id="rId12"/>
-    <p:sldId id="261" r:id="rId13"/>
-    <p:sldId id="262" r:id="rId14"/>
+    <p:sldId id="256" r:id="rId2"/>
+    <p:sldId id="257" r:id="rId3"/>
+    <p:sldId id="258" r:id="rId4"/>
+    <p:sldId id="259" r:id="rId5"/>
+    <p:sldId id="260" r:id="rId6"/>
+    <p:sldId id="261" r:id="rId7"/>
+    <p:sldId id="262" r:id="rId8"/>
   </p:sldIdLst>
   <p:sldSz cx="12192000" cy="6858000"/>
   <p:notesSz cx="6858000" cy="9144000"/>
@@ -34,7 +34,7 @@
       <a:buFontTx/>
       <a:buNone/>
       <a:tabLst/>
-      <a:defRPr b="0" baseline="0" cap="none" i="0" spc="0" strike="noStrike" sz="1800" u="none" kumimoji="0" normalizeH="0">
+      <a:defRPr kumimoji="0" sz="1800" b="0" i="0" u="none" strike="noStrike" cap="none" spc="0" normalizeH="0" baseline="0">
         <a:ln>
           <a:noFill/>
         </a:ln>
@@ -60,7 +60,7 @@
       <a:buFontTx/>
       <a:buNone/>
       <a:tabLst/>
-      <a:defRPr b="0" baseline="0" cap="none" i="0" spc="0" strike="noStrike" sz="1800" u="none" kumimoji="0" normalizeH="0">
+      <a:defRPr kumimoji="0" sz="1800" b="0" i="0" u="none" strike="noStrike" cap="none" spc="0" normalizeH="0" baseline="0">
         <a:ln>
           <a:noFill/>
         </a:ln>
@@ -90,7 +90,7 @@
       <a:buFontTx/>
       <a:buNone/>
       <a:tabLst/>
-      <a:defRPr b="0" baseline="0" cap="none" i="0" spc="0" strike="noStrike" sz="1800" u="none" kumimoji="0" normalizeH="0">
+      <a:defRPr kumimoji="0" sz="1800" b="0" i="0" u="none" strike="noStrike" cap="none" spc="0" normalizeH="0" baseline="0">
         <a:ln>
           <a:noFill/>
         </a:ln>
@@ -120,7 +120,7 @@
       <a:buFontTx/>
       <a:buNone/>
       <a:tabLst/>
-      <a:defRPr b="0" baseline="0" cap="none" i="0" spc="0" strike="noStrike" sz="1800" u="none" kumimoji="0" normalizeH="0">
+      <a:defRPr kumimoji="0" sz="1800" b="0" i="0" u="none" strike="noStrike" cap="none" spc="0" normalizeH="0" baseline="0">
         <a:ln>
           <a:noFill/>
         </a:ln>
@@ -150,7 +150,7 @@
       <a:buFontTx/>
       <a:buNone/>
       <a:tabLst/>
-      <a:defRPr b="0" baseline="0" cap="none" i="0" spc="0" strike="noStrike" sz="1800" u="none" kumimoji="0" normalizeH="0">
+      <a:defRPr kumimoji="0" sz="1800" b="0" i="0" u="none" strike="noStrike" cap="none" spc="0" normalizeH="0" baseline="0">
         <a:ln>
           <a:noFill/>
         </a:ln>
@@ -180,7 +180,7 @@
       <a:buFontTx/>
       <a:buNone/>
       <a:tabLst/>
-      <a:defRPr b="0" baseline="0" cap="none" i="0" spc="0" strike="noStrike" sz="1800" u="none" kumimoji="0" normalizeH="0">
+      <a:defRPr kumimoji="0" sz="1800" b="0" i="0" u="none" strike="noStrike" cap="none" spc="0" normalizeH="0" baseline="0">
         <a:ln>
           <a:noFill/>
         </a:ln>
@@ -210,7 +210,7 @@
       <a:buFontTx/>
       <a:buNone/>
       <a:tabLst/>
-      <a:defRPr b="0" baseline="0" cap="none" i="0" spc="0" strike="noStrike" sz="1800" u="none" kumimoji="0" normalizeH="0">
+      <a:defRPr kumimoji="0" sz="1800" b="0" i="0" u="none" strike="noStrike" cap="none" spc="0" normalizeH="0" baseline="0">
         <a:ln>
           <a:noFill/>
         </a:ln>
@@ -240,7 +240,7 @@
       <a:buFontTx/>
       <a:buNone/>
       <a:tabLst/>
-      <a:defRPr b="0" baseline="0" cap="none" i="0" spc="0" strike="noStrike" sz="1800" u="none" kumimoji="0" normalizeH="0">
+      <a:defRPr kumimoji="0" sz="1800" b="0" i="0" u="none" strike="noStrike" cap="none" spc="0" normalizeH="0" baseline="0">
         <a:ln>
           <a:noFill/>
         </a:ln>
@@ -270,7 +270,7 @@
       <a:buFontTx/>
       <a:buNone/>
       <a:tabLst/>
-      <a:defRPr b="0" baseline="0" cap="none" i="0" spc="0" strike="noStrike" sz="1800" u="none" kumimoji="0" normalizeH="0">
+      <a:defRPr kumimoji="0" sz="1800" b="0" i="0" u="none" strike="noStrike" cap="none" spc="0" normalizeH="0" baseline="0">
         <a:ln>
           <a:noFill/>
         </a:ln>
@@ -300,7 +300,7 @@
       <a:buFontTx/>
       <a:buNone/>
       <a:tabLst/>
-      <a:defRPr b="0" baseline="0" cap="none" i="0" spc="0" strike="noStrike" sz="1800" u="none" kumimoji="0" normalizeH="0">
+      <a:defRPr kumimoji="0" sz="1800" b="0" i="0" u="none" strike="noStrike" cap="none" spc="0" normalizeH="0" baseline="0">
         <a:ln>
           <a:noFill/>
         </a:ln>
@@ -319,13 +319,14 @@
 </p:presentation>
 </file>
 
-<file path=ppt/commentAuthors.xml><?xml version="1.0" encoding="utf-8"?>
-<p:cmAuthorLst xmlns:a="http://schemas.openxmlformats.org/drawingml/2006/main" xmlns:r="http://schemas.openxmlformats.org/officeDocument/2006/relationships" xmlns:p="http://schemas.openxmlformats.org/presentationml/2006/main" xmlns:m="http://schemas.openxmlformats.org/officeDocument/2006/math" xmlns:a14="http://schemas.microsoft.com/office/drawing/2010/main"/>
-</file>
-
 <file path=ppt/notesMasters/notesMaster1.xml><?xml version="1.0" encoding="utf-8"?>
-<p:notesMaster xmlns:a="http://schemas.openxmlformats.org/drawingml/2006/main" xmlns:r="http://schemas.openxmlformats.org/officeDocument/2006/relationships" xmlns:p="http://schemas.openxmlformats.org/presentationml/2006/main" xmlns:m="http://schemas.openxmlformats.org/officeDocument/2006/math" xmlns:a14="http://schemas.microsoft.com/office/drawing/2010/main">
+<p:notesMaster xmlns:a="http://schemas.openxmlformats.org/drawingml/2006/main" xmlns:r="http://schemas.openxmlformats.org/officeDocument/2006/relationships" xmlns:p="http://schemas.openxmlformats.org/presentationml/2006/main">
   <p:cSld>
+    <p:bg>
+      <p:bgRef idx="1001">
+        <a:schemeClr val="bg1"/>
+      </p:bgRef>
+    </p:bg>
     <p:spTree>
       <p:nvGrpSpPr>
         <p:cNvPr id="1" name=""/>
@@ -343,7 +344,9 @@
       <p:sp>
         <p:nvSpPr>
           <p:cNvPr id="17" name="Shape 17"/>
-          <p:cNvSpPr/>
+          <p:cNvSpPr>
+            <a:spLocks noGrp="1" noRot="1" noChangeAspect="1"/>
+          </p:cNvSpPr>
           <p:nvPr>
             <p:ph type="sldImg"/>
           </p:nvPr>
@@ -361,14 +364,16 @@
           <a:bodyPr/>
           <a:lstStyle/>
           <a:p>
-            <a:pPr/>
+            <a:endParaRPr/>
           </a:p>
         </p:txBody>
       </p:sp>
       <p:sp>
         <p:nvSpPr>
           <p:cNvPr id="18" name="Shape 18"/>
-          <p:cNvSpPr/>
+          <p:cNvSpPr>
+            <a:spLocks noGrp="1"/>
+          </p:cNvSpPr>
           <p:nvPr>
             <p:ph type="body" sz="quarter" idx="1"/>
           </p:nvPr>
@@ -386,7 +391,7 @@
           <a:bodyPr/>
           <a:lstStyle/>
           <a:p>
-            <a:pPr/>
+            <a:endParaRPr/>
           </a:p>
         </p:txBody>
       </p:sp>
@@ -498,7 +503,7 @@
 </file>
 
 <file path=ppt/slideLayouts/slideLayout1.xml><?xml version="1.0" encoding="utf-8"?>
-<p:sldLayout xmlns:a="http://schemas.openxmlformats.org/drawingml/2006/main" xmlns:r="http://schemas.openxmlformats.org/officeDocument/2006/relationships" xmlns:p="http://schemas.openxmlformats.org/presentationml/2006/main" xmlns:m="http://schemas.openxmlformats.org/officeDocument/2006/math" xmlns:a14="http://schemas.microsoft.com/office/drawing/2010/main" type="tx" showMasterSp="1" showMasterPhAnim="1">
+<p:sldLayout xmlns:a="http://schemas.openxmlformats.org/drawingml/2006/main" xmlns:r="http://schemas.openxmlformats.org/officeDocument/2006/relationships" xmlns:p="http://schemas.openxmlformats.org/presentationml/2006/main" type="tx">
   <p:cSld name="Default">
     <p:spTree>
       <p:nvGrpSpPr>
@@ -517,7 +522,9 @@
       <p:sp>
         <p:nvSpPr>
           <p:cNvPr id="11" name="Slide Number"/>
-          <p:cNvSpPr txBox="1"/>
+          <p:cNvSpPr txBox="1">
+            <a:spLocks noGrp="1"/>
+          </p:cNvSpPr>
           <p:nvPr>
             <p:ph type="sldNum" sz="quarter" idx="2"/>
           </p:nvPr>
@@ -531,8 +538,10 @@
           <a:bodyPr/>
           <a:lstStyle/>
           <a:p>
-            <a:pPr/>
-            <a:fld id="{86CB4B4D-7CA3-9044-876B-883B54F8677D}" type="slidenum"/>
+            <a:fld id="{86CB4B4D-7CA3-9044-876B-883B54F8677D}" type="slidenum">
+              <a:t>‹#›</a:t>
+            </a:fld>
+            <a:endParaRPr/>
           </a:p>
         </p:txBody>
       </p:sp>
@@ -541,18 +550,19 @@
   <p:clrMapOvr>
     <a:masterClrMapping/>
   </p:clrMapOvr>
-  <p:transition xmlns:p14="http://schemas.microsoft.com/office/powerpoint/2010/main" spd="med" advClick="1"/>
+  <p:transition spd="med"/>
 </p:sldLayout>
 </file>
 
 <file path=ppt/slideMasters/slideMaster1.xml><?xml version="1.0" encoding="utf-8"?>
-<p:sldMaster xmlns:a="http://schemas.openxmlformats.org/drawingml/2006/main" xmlns:r="http://schemas.openxmlformats.org/officeDocument/2006/relationships" xmlns:p="http://schemas.openxmlformats.org/presentationml/2006/main" xmlns:m="http://schemas.openxmlformats.org/officeDocument/2006/math" xmlns:a14="http://schemas.microsoft.com/office/drawing/2010/main">
+<p:sldMaster xmlns:a="http://schemas.openxmlformats.org/drawingml/2006/main" xmlns:r="http://schemas.openxmlformats.org/officeDocument/2006/relationships" xmlns:p="http://schemas.openxmlformats.org/presentationml/2006/main">
   <p:cSld>
     <p:bg>
       <p:bgPr>
         <a:solidFill>
           <a:srgbClr val="FFFFFF"/>
         </a:solidFill>
+        <a:effectLst/>
       </p:bgPr>
     </p:bg>
     <p:spTree>
@@ -572,7 +582,9 @@
       <p:sp>
         <p:nvSpPr>
           <p:cNvPr id="2" name="Slide Number"/>
-          <p:cNvSpPr txBox="1"/>
+          <p:cNvSpPr txBox="1">
+            <a:spLocks noGrp="1"/>
+          </p:cNvSpPr>
           <p:nvPr>
             <p:ph type="sldNum" sz="quarter" idx="2"/>
           </p:nvPr>
@@ -603,15 +615,19 @@
             </a:lvl1pPr>
           </a:lstStyle>
           <a:p>
-            <a:pPr/>
-            <a:fld id="{86CB4B4D-7CA3-9044-876B-883B54F8677D}" type="slidenum"/>
+            <a:fld id="{86CB4B4D-7CA3-9044-876B-883B54F8677D}" type="slidenum">
+              <a:t>‹#›</a:t>
+            </a:fld>
+            <a:endParaRPr/>
           </a:p>
         </p:txBody>
       </p:sp>
       <p:sp>
         <p:nvSpPr>
           <p:cNvPr id="3" name="Title Text"/>
-          <p:cNvSpPr txBox="1"/>
+          <p:cNvSpPr txBox="1">
+            <a:spLocks noGrp="1"/>
+          </p:cNvSpPr>
           <p:nvPr>
             <p:ph type="title"/>
           </p:nvPr>
@@ -629,7 +645,7 @@
           </a:ln>
           <a:extLst>
             <a:ext uri="{C572A759-6A51-4108-AA02-DFA0A04FC94B}">
-              <ma14:wrappingTextBoxFlag xmlns:ma14="http://schemas.microsoft.com/office/mac/drawingml/2011/main" val="1"/>
+              <ma14:wrappingTextBoxFlag xmlns:ma14="http://schemas.microsoft.com/office/mac/drawingml/2011/main" xmlns:a14="http://schemas.microsoft.com/office/drawing/2010/main" xmlns:m="http://schemas.openxmlformats.org/officeDocument/2006/math" xmlns="" val="1"/>
             </a:ext>
           </a:extLst>
         </p:spPr>
@@ -637,7 +653,6 @@
           <a:bodyPr lIns="45719" rIns="45719" anchor="ctr"/>
           <a:lstStyle/>
           <a:p>
-            <a:pPr/>
             <a:r>
               <a:t>Title Text</a:t>
             </a:r>
@@ -647,7 +662,9 @@
       <p:sp>
         <p:nvSpPr>
           <p:cNvPr id="4" name="Body Level One…"/>
-          <p:cNvSpPr txBox="1"/>
+          <p:cNvSpPr txBox="1">
+            <a:spLocks noGrp="1"/>
+          </p:cNvSpPr>
           <p:nvPr>
             <p:ph type="body" idx="1"/>
           </p:nvPr>
@@ -665,7 +682,7 @@
           </a:ln>
           <a:extLst>
             <a:ext uri="{C572A759-6A51-4108-AA02-DFA0A04FC94B}">
-              <ma14:wrappingTextBoxFlag xmlns:ma14="http://schemas.microsoft.com/office/mac/drawingml/2011/main" val="1"/>
+              <ma14:wrappingTextBoxFlag xmlns:ma14="http://schemas.microsoft.com/office/mac/drawingml/2011/main" xmlns:a14="http://schemas.microsoft.com/office/drawing/2010/main" xmlns:m="http://schemas.openxmlformats.org/officeDocument/2006/math" xmlns="" val="1"/>
             </a:ext>
           </a:extLst>
         </p:spPr>
@@ -673,7 +690,6 @@
           <a:bodyPr lIns="45719" rIns="45719"/>
           <a:lstStyle/>
           <a:p>
-            <a:pPr/>
             <a:r>
               <a:t>Body Level One</a:t>
             </a:r>
@@ -708,9 +724,9 @@
   </p:cSld>
   <p:clrMap bg1="lt1" tx1="dk1" bg2="lt2" tx2="dk2" accent1="accent1" accent2="accent2" accent3="accent3" accent4="accent4" accent5="accent5" accent6="accent6" hlink="hlink" folHlink="folHlink"/>
   <p:sldLayoutIdLst>
-    <p:sldLayoutId id="2147483649" r:id="rId2"/>
+    <p:sldLayoutId id="2147483649" r:id="rId1"/>
   </p:sldLayoutIdLst>
-  <p:transition xmlns:p14="http://schemas.microsoft.com/office/powerpoint/2010/main" spd="med" advClick="1"/>
+  <p:transition spd="med"/>
   <p:txStyles>
     <p:titleStyle>
       <a:lvl1pPr marL="0" marR="0" indent="0" algn="l" defTabSz="914400" rtl="0" latinLnBrk="0">
@@ -728,7 +744,7 @@
         <a:buFontTx/>
         <a:buNone/>
         <a:tabLst/>
-        <a:defRPr b="0" baseline="0" cap="none" i="0" spc="0" strike="noStrike" sz="4400" u="none">
+        <a:defRPr sz="4400" b="0" i="0" u="none" strike="noStrike" cap="none" spc="0" baseline="0">
           <a:solidFill>
             <a:srgbClr val="000000"/>
           </a:solidFill>
@@ -754,7 +770,7 @@
         <a:buFontTx/>
         <a:buNone/>
         <a:tabLst/>
-        <a:defRPr b="0" baseline="0" cap="none" i="0" spc="0" strike="noStrike" sz="4400" u="none">
+        <a:defRPr sz="4400" b="0" i="0" u="none" strike="noStrike" cap="none" spc="0" baseline="0">
           <a:solidFill>
             <a:srgbClr val="000000"/>
           </a:solidFill>
@@ -780,7 +796,7 @@
         <a:buFontTx/>
         <a:buNone/>
         <a:tabLst/>
-        <a:defRPr b="0" baseline="0" cap="none" i="0" spc="0" strike="noStrike" sz="4400" u="none">
+        <a:defRPr sz="4400" b="0" i="0" u="none" strike="noStrike" cap="none" spc="0" baseline="0">
           <a:solidFill>
             <a:srgbClr val="000000"/>
           </a:solidFill>
@@ -806,7 +822,7 @@
         <a:buFontTx/>
         <a:buNone/>
         <a:tabLst/>
-        <a:defRPr b="0" baseline="0" cap="none" i="0" spc="0" strike="noStrike" sz="4400" u="none">
+        <a:defRPr sz="4400" b="0" i="0" u="none" strike="noStrike" cap="none" spc="0" baseline="0">
           <a:solidFill>
             <a:srgbClr val="000000"/>
           </a:solidFill>
@@ -832,7 +848,7 @@
         <a:buFontTx/>
         <a:buNone/>
         <a:tabLst/>
-        <a:defRPr b="0" baseline="0" cap="none" i="0" spc="0" strike="noStrike" sz="4400" u="none">
+        <a:defRPr sz="4400" b="0" i="0" u="none" strike="noStrike" cap="none" spc="0" baseline="0">
           <a:solidFill>
             <a:srgbClr val="000000"/>
           </a:solidFill>
@@ -858,7 +874,7 @@
         <a:buFontTx/>
         <a:buNone/>
         <a:tabLst/>
-        <a:defRPr b="0" baseline="0" cap="none" i="0" spc="0" strike="noStrike" sz="4400" u="none">
+        <a:defRPr sz="4400" b="0" i="0" u="none" strike="noStrike" cap="none" spc="0" baseline="0">
           <a:solidFill>
             <a:srgbClr val="000000"/>
           </a:solidFill>
@@ -884,7 +900,7 @@
         <a:buFontTx/>
         <a:buNone/>
         <a:tabLst/>
-        <a:defRPr b="0" baseline="0" cap="none" i="0" spc="0" strike="noStrike" sz="4400" u="none">
+        <a:defRPr sz="4400" b="0" i="0" u="none" strike="noStrike" cap="none" spc="0" baseline="0">
           <a:solidFill>
             <a:srgbClr val="000000"/>
           </a:solidFill>
@@ -910,7 +926,7 @@
         <a:buFontTx/>
         <a:buNone/>
         <a:tabLst/>
-        <a:defRPr b="0" baseline="0" cap="none" i="0" spc="0" strike="noStrike" sz="4400" u="none">
+        <a:defRPr sz="4400" b="0" i="0" u="none" strike="noStrike" cap="none" spc="0" baseline="0">
           <a:solidFill>
             <a:srgbClr val="000000"/>
           </a:solidFill>
@@ -936,7 +952,7 @@
         <a:buFontTx/>
         <a:buNone/>
         <a:tabLst/>
-        <a:defRPr b="0" baseline="0" cap="none" i="0" spc="0" strike="noStrike" sz="4400" u="none">
+        <a:defRPr sz="4400" b="0" i="0" u="none" strike="noStrike" cap="none" spc="0" baseline="0">
           <a:solidFill>
             <a:srgbClr val="000000"/>
           </a:solidFill>
@@ -964,7 +980,7 @@
         <a:buFont typeface="Arial"/>
         <a:buChar char="•"/>
         <a:tabLst/>
-        <a:defRPr b="0" baseline="0" cap="none" i="0" spc="0" strike="noStrike" sz="2800" u="none">
+        <a:defRPr sz="2800" b="0" i="0" u="none" strike="noStrike" cap="none" spc="0" baseline="0">
           <a:solidFill>
             <a:srgbClr val="000000"/>
           </a:solidFill>
@@ -990,7 +1006,7 @@
         <a:buFont typeface="Arial"/>
         <a:buChar char="•"/>
         <a:tabLst/>
-        <a:defRPr b="0" baseline="0" cap="none" i="0" spc="0" strike="noStrike" sz="2800" u="none">
+        <a:defRPr sz="2800" b="0" i="0" u="none" strike="noStrike" cap="none" spc="0" baseline="0">
           <a:solidFill>
             <a:srgbClr val="000000"/>
           </a:solidFill>
@@ -1016,7 +1032,7 @@
         <a:buFont typeface="Arial"/>
         <a:buChar char="•"/>
         <a:tabLst/>
-        <a:defRPr b="0" baseline="0" cap="none" i="0" spc="0" strike="noStrike" sz="2800" u="none">
+        <a:defRPr sz="2800" b="0" i="0" u="none" strike="noStrike" cap="none" spc="0" baseline="0">
           <a:solidFill>
             <a:srgbClr val="000000"/>
           </a:solidFill>
@@ -1042,7 +1058,7 @@
         <a:buFont typeface="Arial"/>
         <a:buChar char="•"/>
         <a:tabLst/>
-        <a:defRPr b="0" baseline="0" cap="none" i="0" spc="0" strike="noStrike" sz="2800" u="none">
+        <a:defRPr sz="2800" b="0" i="0" u="none" strike="noStrike" cap="none" spc="0" baseline="0">
           <a:solidFill>
             <a:srgbClr val="000000"/>
           </a:solidFill>
@@ -1068,7 +1084,7 @@
         <a:buFont typeface="Arial"/>
         <a:buChar char="•"/>
         <a:tabLst/>
-        <a:defRPr b="0" baseline="0" cap="none" i="0" spc="0" strike="noStrike" sz="2800" u="none">
+        <a:defRPr sz="2800" b="0" i="0" u="none" strike="noStrike" cap="none" spc="0" baseline="0">
           <a:solidFill>
             <a:srgbClr val="000000"/>
           </a:solidFill>
@@ -1094,7 +1110,7 @@
         <a:buFont typeface="Arial"/>
         <a:buChar char=""/>
         <a:tabLst/>
-        <a:defRPr b="0" baseline="0" cap="none" i="0" spc="0" strike="noStrike" sz="2800" u="none">
+        <a:defRPr sz="2800" b="0" i="0" u="none" strike="noStrike" cap="none" spc="0" baseline="0">
           <a:solidFill>
             <a:srgbClr val="000000"/>
           </a:solidFill>
@@ -1120,7 +1136,7 @@
         <a:buFont typeface="Arial"/>
         <a:buChar char=""/>
         <a:tabLst/>
-        <a:defRPr b="0" baseline="0" cap="none" i="0" spc="0" strike="noStrike" sz="2800" u="none">
+        <a:defRPr sz="2800" b="0" i="0" u="none" strike="noStrike" cap="none" spc="0" baseline="0">
           <a:solidFill>
             <a:srgbClr val="000000"/>
           </a:solidFill>
@@ -1146,7 +1162,7 @@
         <a:buFont typeface="Arial"/>
         <a:buChar char=""/>
         <a:tabLst/>
-        <a:defRPr b="0" baseline="0" cap="none" i="0" spc="0" strike="noStrike" sz="2800" u="none">
+        <a:defRPr sz="2800" b="0" i="0" u="none" strike="noStrike" cap="none" spc="0" baseline="0">
           <a:solidFill>
             <a:srgbClr val="000000"/>
           </a:solidFill>
@@ -1172,7 +1188,7 @@
         <a:buFont typeface="Arial"/>
         <a:buChar char=""/>
         <a:tabLst/>
-        <a:defRPr b="0" baseline="0" cap="none" i="0" spc="0" strike="noStrike" sz="2800" u="none">
+        <a:defRPr sz="2800" b="0" i="0" u="none" strike="noStrike" cap="none" spc="0" baseline="0">
           <a:solidFill>
             <a:srgbClr val="000000"/>
           </a:solidFill>
@@ -1200,7 +1216,7 @@
         <a:buFontTx/>
         <a:buNone/>
         <a:tabLst/>
-        <a:defRPr b="0" baseline="0" cap="none" i="0" spc="0" strike="noStrike" sz="1200" u="none">
+        <a:defRPr sz="1200" b="0" i="0" u="none" strike="noStrike" cap="none" spc="0" baseline="0">
           <a:solidFill>
             <a:schemeClr val="tx1"/>
           </a:solidFill>
@@ -1226,7 +1242,7 @@
         <a:buFontTx/>
         <a:buNone/>
         <a:tabLst/>
-        <a:defRPr b="0" baseline="0" cap="none" i="0" spc="0" strike="noStrike" sz="1200" u="none">
+        <a:defRPr sz="1200" b="0" i="0" u="none" strike="noStrike" cap="none" spc="0" baseline="0">
           <a:solidFill>
             <a:schemeClr val="tx1"/>
           </a:solidFill>
@@ -1252,7 +1268,7 @@
         <a:buFontTx/>
         <a:buNone/>
         <a:tabLst/>
-        <a:defRPr b="0" baseline="0" cap="none" i="0" spc="0" strike="noStrike" sz="1200" u="none">
+        <a:defRPr sz="1200" b="0" i="0" u="none" strike="noStrike" cap="none" spc="0" baseline="0">
           <a:solidFill>
             <a:schemeClr val="tx1"/>
           </a:solidFill>
@@ -1278,7 +1294,7 @@
         <a:buFontTx/>
         <a:buNone/>
         <a:tabLst/>
-        <a:defRPr b="0" baseline="0" cap="none" i="0" spc="0" strike="noStrike" sz="1200" u="none">
+        <a:defRPr sz="1200" b="0" i="0" u="none" strike="noStrike" cap="none" spc="0" baseline="0">
           <a:solidFill>
             <a:schemeClr val="tx1"/>
           </a:solidFill>
@@ -1304,7 +1320,7 @@
         <a:buFontTx/>
         <a:buNone/>
         <a:tabLst/>
-        <a:defRPr b="0" baseline="0" cap="none" i="0" spc="0" strike="noStrike" sz="1200" u="none">
+        <a:defRPr sz="1200" b="0" i="0" u="none" strike="noStrike" cap="none" spc="0" baseline="0">
           <a:solidFill>
             <a:schemeClr val="tx1"/>
           </a:solidFill>
@@ -1330,7 +1346,7 @@
         <a:buFontTx/>
         <a:buNone/>
         <a:tabLst/>
-        <a:defRPr b="0" baseline="0" cap="none" i="0" spc="0" strike="noStrike" sz="1200" u="none">
+        <a:defRPr sz="1200" b="0" i="0" u="none" strike="noStrike" cap="none" spc="0" baseline="0">
           <a:solidFill>
             <a:schemeClr val="tx1"/>
           </a:solidFill>
@@ -1356,7 +1372,7 @@
         <a:buFontTx/>
         <a:buNone/>
         <a:tabLst/>
-        <a:defRPr b="0" baseline="0" cap="none" i="0" spc="0" strike="noStrike" sz="1200" u="none">
+        <a:defRPr sz="1200" b="0" i="0" u="none" strike="noStrike" cap="none" spc="0" baseline="0">
           <a:solidFill>
             <a:schemeClr val="tx1"/>
           </a:solidFill>
@@ -1382,7 +1398,7 @@
         <a:buFontTx/>
         <a:buNone/>
         <a:tabLst/>
-        <a:defRPr b="0" baseline="0" cap="none" i="0" spc="0" strike="noStrike" sz="1200" u="none">
+        <a:defRPr sz="1200" b="0" i="0" u="none" strike="noStrike" cap="none" spc="0" baseline="0">
           <a:solidFill>
             <a:schemeClr val="tx1"/>
           </a:solidFill>
@@ -1408,7 +1424,7 @@
         <a:buFontTx/>
         <a:buNone/>
         <a:tabLst/>
-        <a:defRPr b="0" baseline="0" cap="none" i="0" spc="0" strike="noStrike" sz="1200" u="none">
+        <a:defRPr sz="1200" b="0" i="0" u="none" strike="noStrike" cap="none" spc="0" baseline="0">
           <a:solidFill>
             <a:schemeClr val="tx1"/>
           </a:solidFill>
@@ -1425,7 +1441,7 @@
 </file>
 
 <file path=ppt/slides/slide1.xml><?xml version="1.0" encoding="utf-8"?>
-<p:sld xmlns:a="http://schemas.openxmlformats.org/drawingml/2006/main" xmlns:r="http://schemas.openxmlformats.org/officeDocument/2006/relationships" xmlns:p="http://schemas.openxmlformats.org/presentationml/2006/main" xmlns:m="http://schemas.openxmlformats.org/officeDocument/2006/math" xmlns:a14="http://schemas.microsoft.com/office/drawing/2010/main" showMasterSp="1" showMasterPhAnim="1">
+<p:sld xmlns:a="http://schemas.openxmlformats.org/drawingml/2006/main" xmlns:r="http://schemas.openxmlformats.org/officeDocument/2006/relationships" xmlns:p="http://schemas.openxmlformats.org/presentationml/2006/main">
   <p:cSld>
     <p:spTree>
       <p:nvGrpSpPr>
@@ -1444,7 +1460,9 @@
       <p:sp>
         <p:nvSpPr>
           <p:cNvPr id="20" name="Prediction/Analysis of booking cancellations using Online travel booking company data"/>
-          <p:cNvSpPr txBox="1"/>
+          <p:cNvSpPr txBox="1">
+            <a:spLocks noGrp="1"/>
+          </p:cNvSpPr>
           <p:nvPr>
             <p:ph type="title" idx="4294967295"/>
           </p:nvPr>
@@ -1460,14 +1478,14 @@
         </p:spPr>
         <p:txBody>
           <a:bodyPr anchor="b">
-            <a:normAutofit fontScale="100000" lnSpcReduction="0"/>
+            <a:normAutofit/>
           </a:bodyPr>
           <a:lstStyle>
             <a:lvl1pPr algn="ctr" defTabSz="457200">
               <a:lnSpc>
                 <a:spcPct val="100000"/>
               </a:lnSpc>
-              <a:defRPr b="1" sz="3466">
+              <a:defRPr sz="3466" b="1">
                 <a:solidFill>
                   <a:schemeClr val="accent1"/>
                 </a:solidFill>
@@ -1479,11 +1497,10 @@
             </a:lvl1pPr>
           </a:lstStyle>
           <a:p>
-            <a:pPr/>
             <a:r>
               <a:t>Prediction/Analysis of booking cancellations using Online travel booking company data</a:t>
             </a:r>
-            <a:endParaRPr b="0" sz="1466">
+            <a:endParaRPr sz="1466" b="0">
               <a:solidFill>
                 <a:srgbClr val="000000"/>
               </a:solidFill>
@@ -1498,7 +1515,9 @@
       <p:sp>
         <p:nvSpPr>
           <p:cNvPr id="21" name="Prepared by:…"/>
-          <p:cNvSpPr txBox="1"/>
+          <p:cNvSpPr txBox="1">
+            <a:spLocks noGrp="1"/>
+          </p:cNvSpPr>
           <p:nvPr>
             <p:ph type="body" sz="quarter" idx="4294967295"/>
           </p:nvPr>
@@ -1514,7 +1533,7 @@
         </p:spPr>
         <p:txBody>
           <a:bodyPr>
-            <a:normAutofit fontScale="100000" lnSpcReduction="0"/>
+            <a:normAutofit/>
           </a:bodyPr>
           <a:lstStyle/>
           <a:p>
@@ -1528,7 +1547,7 @@
               <a:buSzTx/>
               <a:buFontTx/>
               <a:buNone/>
-              <a:defRPr b="1" sz="2258">
+              <a:defRPr sz="2258" b="1">
                 <a:solidFill>
                   <a:srgbClr val="541E8B"/>
                 </a:solidFill>
@@ -1549,7 +1568,7 @@
             <a:r>
               <a:t> </a:t>
             </a:r>
-            <a:endParaRPr b="0" sz="1129">
+            <a:endParaRPr sz="1129" b="0">
               <a:solidFill>
                 <a:srgbClr val="000000"/>
               </a:solidFill>
@@ -1570,7 +1589,7 @@
               <a:buSzTx/>
               <a:buFontTx/>
               <a:buNone/>
-              <a:defRPr b="1" sz="2258">
+              <a:defRPr sz="2258" b="1">
                 <a:solidFill>
                   <a:schemeClr val="accent1"/>
                 </a:solidFill>
@@ -1583,7 +1602,7 @@
             <a:r>
               <a:t>Justice Arthur (N01613631)</a:t>
             </a:r>
-            <a:endParaRPr b="0" sz="1129">
+            <a:endParaRPr sz="1129" b="0">
               <a:solidFill>
                 <a:srgbClr val="000000"/>
               </a:solidFill>
@@ -1604,7 +1623,7 @@
               <a:buSzTx/>
               <a:buFontTx/>
               <a:buNone/>
-              <a:defRPr b="1" sz="2258">
+              <a:defRPr sz="2258" b="1">
                 <a:solidFill>
                   <a:schemeClr val="accent1"/>
                 </a:solidFill>
@@ -1617,7 +1636,7 @@
             <a:r>
               <a:t>Luting Chiu (N01604196)</a:t>
             </a:r>
-            <a:endParaRPr b="0" sz="1129">
+            <a:endParaRPr sz="1129" b="0">
               <a:solidFill>
                 <a:srgbClr val="000000"/>
               </a:solidFill>
@@ -1638,7 +1657,7 @@
               <a:buSzTx/>
               <a:buFontTx/>
               <a:buNone/>
-              <a:defRPr b="1" sz="2258">
+              <a:defRPr sz="2258" b="1">
                 <a:solidFill>
                   <a:schemeClr val="accent1"/>
                 </a:solidFill>
@@ -1651,7 +1670,7 @@
             <a:r>
               <a:t>Sachindra (N01640062)</a:t>
             </a:r>
-            <a:endParaRPr b="0" sz="1129">
+            <a:endParaRPr sz="1129" b="0">
               <a:solidFill>
                 <a:srgbClr val="000000"/>
               </a:solidFill>
@@ -1682,7 +1701,7 @@
           </a:ln>
           <a:extLst>
             <a:ext uri="{C572A759-6A51-4108-AA02-DFA0A04FC94B}">
-              <ma14:wrappingTextBoxFlag xmlns:ma14="http://schemas.microsoft.com/office/mac/drawingml/2011/main" val="1"/>
+              <ma14:wrappingTextBoxFlag xmlns:ma14="http://schemas.microsoft.com/office/mac/drawingml/2011/main" xmlns:a14="http://schemas.microsoft.com/office/drawing/2010/main" xmlns:m="http://schemas.openxmlformats.org/officeDocument/2006/math" xmlns="" val="1"/>
             </a:ext>
           </a:extLst>
         </p:spPr>
@@ -1702,7 +1721,6 @@
             </a:lvl1pPr>
           </a:lstStyle>
           <a:p>
-            <a:pPr/>
             <a:r>
               <a:t>ITE 5201									Humber College</a:t>
             </a:r>
@@ -1714,12 +1732,12 @@
   <p:clrMapOvr>
     <a:masterClrMapping/>
   </p:clrMapOvr>
-  <p:transition xmlns:p14="http://schemas.microsoft.com/office/powerpoint/2010/main" spd="med" advClick="1"/>
+  <p:transition spd="med"/>
 </p:sld>
 </file>
 
 <file path=ppt/slides/slide2.xml><?xml version="1.0" encoding="utf-8"?>
-<p:sld xmlns:a="http://schemas.openxmlformats.org/drawingml/2006/main" xmlns:r="http://schemas.openxmlformats.org/officeDocument/2006/relationships" xmlns:p="http://schemas.openxmlformats.org/presentationml/2006/main" xmlns:m="http://schemas.openxmlformats.org/officeDocument/2006/math" xmlns:a14="http://schemas.microsoft.com/office/drawing/2010/main" showMasterSp="1" showMasterPhAnim="1">
+<p:sld xmlns:a="http://schemas.openxmlformats.org/drawingml/2006/main" xmlns:r="http://schemas.openxmlformats.org/officeDocument/2006/relationships" xmlns:p="http://schemas.openxmlformats.org/presentationml/2006/main">
   <p:cSld>
     <p:spTree>
       <p:nvGrpSpPr>
@@ -1738,7 +1756,9 @@
       <p:sp>
         <p:nvSpPr>
           <p:cNvPr id="24" name="Problem Statement Prediction/Analysis of booking cancellations using Online travel booking company data…"/>
-          <p:cNvSpPr txBox="1"/>
+          <p:cNvSpPr txBox="1">
+            <a:spLocks noGrp="1"/>
+          </p:cNvSpPr>
           <p:nvPr>
             <p:ph type="body" idx="4294967295"/>
           </p:nvPr>
@@ -1754,11 +1774,10 @@
         </p:spPr>
         <p:txBody>
           <a:bodyPr numCol="2" spcCol="581467">
-            <a:normAutofit fontScale="100000" lnSpcReduction="0"/>
+            <a:normAutofit/>
           </a:bodyPr>
           <a:lstStyle/>
           <a:p>
-            <a:pPr/>
             <a:r>
               <a:rPr b="1"/>
               <a:t>Problem Statement</a:t>
@@ -1771,6 +1790,7 @@
             <a:br>
               <a:rPr sz="2200"/>
             </a:br>
+            <a:endParaRPr sz="2200"/>
           </a:p>
           <a:p>
             <a:pPr>
@@ -1781,34 +1801,37 @@
             </a:r>
             <a:br/>
             <a:r>
-              <a:rPr b="0" sz="2200"/>
+              <a:rPr sz="2200" b="0"/>
               <a:t>The determination of cancellation status (1 for canceled, 0 for not canceled) is shaped by a multitude of factors, encompassing customer behavior, temporal considerations, geographical location, and individual background.</a:t>
             </a:r>
             <a:br>
-              <a:rPr b="0" sz="2200"/>
+              <a:rPr sz="2200" b="0"/>
             </a:br>
             <a:r>
-              <a:rPr b="0" sz="2000"/>
+              <a:rPr sz="2000" b="0"/>
               <a:t>A set of dependent variables, encompassing hotel attributes, lead time, arrival date specifics, meal preferences, country, market segment, distribution channel, historical booking data, deposit type, days in the waiting list, customer type, and the average daily rate, were utilized to train the model for predicting cancellations in the dataset."</a:t>
             </a:r>
             <a:br>
-              <a:rPr b="0" sz="2200"/>
-            </a:br>
-            <a:br>
-              <a:rPr b="0" sz="2200"/>
+              <a:rPr sz="2200" b="0"/>
+            </a:br>
+            <a:br>
+              <a:rPr sz="2200" b="0"/>
             </a:br>
             <a:br/>
             <a:br/>
             <a:br/>
             <a:br/>
             <a:br/>
+            <a:endParaRPr/>
           </a:p>
         </p:txBody>
       </p:sp>
       <p:sp>
         <p:nvSpPr>
           <p:cNvPr id="25" name="Slide Number"/>
-          <p:cNvSpPr txBox="1"/>
+          <p:cNvSpPr txBox="1">
+            <a:spLocks noGrp="1"/>
+          </p:cNvSpPr>
           <p:nvPr>
             <p:ph type="sldNum" sz="quarter" idx="2"/>
           </p:nvPr>
@@ -1823,7 +1846,7 @@
           </a:prstGeom>
           <a:extLst>
             <a:ext uri="{C572A759-6A51-4108-AA02-DFA0A04FC94B}">
-              <ma14:wrappingTextBoxFlag xmlns:ma14="http://schemas.microsoft.com/office/mac/drawingml/2011/main" val="1"/>
+              <ma14:wrappingTextBoxFlag xmlns:ma14="http://schemas.microsoft.com/office/mac/drawingml/2011/main" xmlns:a14="http://schemas.microsoft.com/office/drawing/2010/main" xmlns:m="http://schemas.openxmlformats.org/officeDocument/2006/math" xmlns="" val="1"/>
             </a:ext>
           </a:extLst>
         </p:spPr>
@@ -1831,8 +1854,10 @@
           <a:bodyPr/>
           <a:lstStyle/>
           <a:p>
-            <a:pPr/>
-            <a:fld id="{86CB4B4D-7CA3-9044-876B-883B54F8677D}" type="slidenum"/>
+            <a:fld id="{86CB4B4D-7CA3-9044-876B-883B54F8677D}" type="slidenum">
+              <a:t>2</a:t>
+            </a:fld>
+            <a:endParaRPr/>
           </a:p>
         </p:txBody>
       </p:sp>
@@ -1845,9 +1870,7 @@
           <p:nvPr/>
         </p:nvPicPr>
         <p:blipFill>
-          <a:blip r:embed="rId2">
-            <a:extLst/>
-          </a:blip>
+          <a:blip r:embed="rId2"/>
           <a:stretch>
             <a:fillRect/>
           </a:stretch>
@@ -1870,12 +1893,12 @@
   <p:clrMapOvr>
     <a:masterClrMapping/>
   </p:clrMapOvr>
-  <p:transition xmlns:p14="http://schemas.microsoft.com/office/powerpoint/2010/main" spd="med" advClick="1"/>
+  <p:transition spd="med"/>
 </p:sld>
 </file>
 
 <file path=ppt/slides/slide3.xml><?xml version="1.0" encoding="utf-8"?>
-<p:sld xmlns:a="http://schemas.openxmlformats.org/drawingml/2006/main" xmlns:r="http://schemas.openxmlformats.org/officeDocument/2006/relationships" xmlns:p="http://schemas.openxmlformats.org/presentationml/2006/main" xmlns:m="http://schemas.openxmlformats.org/officeDocument/2006/math" xmlns:a14="http://schemas.microsoft.com/office/drawing/2010/main" showMasterSp="1" showMasterPhAnim="1">
+<p:sld xmlns:a="http://schemas.openxmlformats.org/drawingml/2006/main" xmlns:r="http://schemas.openxmlformats.org/officeDocument/2006/relationships" xmlns:p="http://schemas.openxmlformats.org/presentationml/2006/main">
   <p:cSld>
     <p:spTree>
       <p:nvGrpSpPr>
@@ -1894,7 +1917,9 @@
       <p:sp>
         <p:nvSpPr>
           <p:cNvPr id="28" name="Statistical Plots"/>
-          <p:cNvSpPr txBox="1"/>
+          <p:cNvSpPr txBox="1">
+            <a:spLocks noGrp="1"/>
+          </p:cNvSpPr>
           <p:nvPr>
             <p:ph type="body" idx="4294967295"/>
           </p:nvPr>
@@ -1910,7 +1935,7 @@
         </p:spPr>
         <p:txBody>
           <a:bodyPr numCol="2" spcCol="558823">
-            <a:normAutofit fontScale="100000" lnSpcReduction="0"/>
+            <a:normAutofit/>
           </a:bodyPr>
           <a:lstStyle>
             <a:lvl1pPr>
@@ -1918,7 +1943,6 @@
             </a:lvl1pPr>
           </a:lstStyle>
           <a:p>
-            <a:pPr/>
             <a:r>
               <a:t>Statistical Plots</a:t>
             </a:r>
@@ -1928,7 +1952,9 @@
       <p:sp>
         <p:nvSpPr>
           <p:cNvPr id="29" name="Slide Number"/>
-          <p:cNvSpPr txBox="1"/>
+          <p:cNvSpPr txBox="1">
+            <a:spLocks noGrp="1"/>
+          </p:cNvSpPr>
           <p:nvPr>
             <p:ph type="sldNum" sz="quarter" idx="2"/>
           </p:nvPr>
@@ -1943,7 +1969,7 @@
           </a:prstGeom>
           <a:extLst>
             <a:ext uri="{C572A759-6A51-4108-AA02-DFA0A04FC94B}">
-              <ma14:wrappingTextBoxFlag xmlns:ma14="http://schemas.microsoft.com/office/mac/drawingml/2011/main" val="1"/>
+              <ma14:wrappingTextBoxFlag xmlns:ma14="http://schemas.microsoft.com/office/mac/drawingml/2011/main" xmlns:a14="http://schemas.microsoft.com/office/drawing/2010/main" xmlns:m="http://schemas.openxmlformats.org/officeDocument/2006/math" xmlns="" val="1"/>
             </a:ext>
           </a:extLst>
         </p:spPr>
@@ -1951,8 +1977,11 @@
           <a:bodyPr/>
           <a:lstStyle/>
           <a:p>
-            <a:pPr/>
-            <a:fld id="{86CB4B4D-7CA3-9044-876B-883B54F8677D}" type="slidenum"/>
+            <a:fld id="{86CB4B4D-7CA3-9044-876B-883B54F8677D}" type="slidenum">
+              <a:rPr/>
+              <a:t>3</a:t>
+            </a:fld>
+            <a:endParaRPr/>
           </a:p>
         </p:txBody>
       </p:sp>
@@ -1965,16 +1994,14 @@
           <p:nvPr/>
         </p:nvPicPr>
         <p:blipFill>
-          <a:blip r:embed="rId2">
-            <a:extLst/>
-          </a:blip>
+          <a:blip r:embed="rId2"/>
           <a:stretch>
             <a:fillRect/>
           </a:stretch>
         </p:blipFill>
         <p:spPr>
           <a:xfrm>
-            <a:off x="941151" y="3178641"/>
+            <a:off x="177776" y="905341"/>
             <a:ext cx="3450643" cy="2935499"/>
           </a:xfrm>
           <a:prstGeom prst="rect">
@@ -1994,16 +2021,14 @@
           <p:nvPr/>
         </p:nvPicPr>
         <p:blipFill>
-          <a:blip r:embed="rId3">
-            <a:extLst/>
-          </a:blip>
+          <a:blip r:embed="rId3"/>
           <a:stretch>
             <a:fillRect/>
           </a:stretch>
         </p:blipFill>
         <p:spPr>
           <a:xfrm>
-            <a:off x="3456782" y="151742"/>
+            <a:off x="4638050" y="421354"/>
             <a:ext cx="6625059" cy="3174664"/>
           </a:xfrm>
           <a:prstGeom prst="rect">
@@ -2016,7 +2041,13 @@
       </p:pic>
       <p:pic>
         <p:nvPicPr>
-          <p:cNvPr id="32" name="Screenshot 2023-11-29 at 15.10.00.png" descr="Screenshot 2023-11-29 at 15.10.00.png"/>
+          <p:cNvPr id="5" name="Picture 4" descr="A graph with lines and numbers&#10;&#10;Description automatically generated">
+            <a:extLst>
+              <a:ext uri="{FF2B5EF4-FFF2-40B4-BE49-F238E27FC236}">
+                <a16:creationId xmlns:a16="http://schemas.microsoft.com/office/drawing/2014/main" id="{81F91EF6-74E1-BC58-CD1B-86B50004CB1A}"/>
+              </a:ext>
+            </a:extLst>
+          </p:cNvPr>
           <p:cNvPicPr>
             <a:picLocks noChangeAspect="1"/>
           </p:cNvPicPr>
@@ -2024,7 +2055,11 @@
         </p:nvPicPr>
         <p:blipFill>
           <a:blip r:embed="rId4">
-            <a:extLst/>
+            <a:extLst>
+              <a:ext uri="{28A0092B-C50C-407E-A947-70E740481C1C}">
+                <a14:useLocalDpi xmlns:a14="http://schemas.microsoft.com/office/drawing/2010/main" val="0"/>
+              </a:ext>
+            </a:extLst>
           </a:blip>
           <a:stretch>
             <a:fillRect/>
@@ -2032,15 +2067,12 @@
         </p:blipFill>
         <p:spPr>
           <a:xfrm>
-            <a:off x="6224650" y="3194705"/>
-            <a:ext cx="4593430" cy="3521115"/>
+            <a:off x="2282044" y="3840841"/>
+            <a:ext cx="8981065" cy="2257458"/>
           </a:xfrm>
           <a:prstGeom prst="rect">
             <a:avLst/>
           </a:prstGeom>
-          <a:ln w="12700">
-            <a:miter lim="400000"/>
-          </a:ln>
         </p:spPr>
       </p:pic>
     </p:spTree>
@@ -2048,12 +2080,12 @@
   <p:clrMapOvr>
     <a:masterClrMapping/>
   </p:clrMapOvr>
-  <p:transition xmlns:p14="http://schemas.microsoft.com/office/powerpoint/2010/main" spd="med" advClick="1"/>
+  <p:transition spd="med"/>
 </p:sld>
 </file>
 
 <file path=ppt/slides/slide4.xml><?xml version="1.0" encoding="utf-8"?>
-<p:sld xmlns:a="http://schemas.openxmlformats.org/drawingml/2006/main" xmlns:r="http://schemas.openxmlformats.org/officeDocument/2006/relationships" xmlns:p="http://schemas.openxmlformats.org/presentationml/2006/main" xmlns:m="http://schemas.openxmlformats.org/officeDocument/2006/math" xmlns:a14="http://schemas.microsoft.com/office/drawing/2010/main" showMasterSp="1" showMasterPhAnim="1">
+<p:sld xmlns:a="http://schemas.openxmlformats.org/drawingml/2006/main" xmlns:r="http://schemas.openxmlformats.org/officeDocument/2006/relationships" xmlns:p="http://schemas.openxmlformats.org/presentationml/2006/main">
   <p:cSld>
     <p:spTree>
       <p:nvGrpSpPr>
@@ -2072,7 +2104,9 @@
       <p:sp>
         <p:nvSpPr>
           <p:cNvPr id="34" name="Proposed Analytical/ Predictive model  Following data exploration and engineering, the model incorporates the variables:  hotel, lead_time, arrival_date_year, arrival_date_month, arrival_date_week_number, arrival_date_day_of_month, meal, country, market_"/>
-          <p:cNvSpPr txBox="1"/>
+          <p:cNvSpPr txBox="1">
+            <a:spLocks noGrp="1"/>
+          </p:cNvSpPr>
           <p:nvPr>
             <p:ph type="body" idx="4294967295"/>
           </p:nvPr>
@@ -2088,7 +2122,7 @@
         </p:spPr>
         <p:txBody>
           <a:bodyPr>
-            <a:normAutofit fontScale="100000" lnSpcReduction="0"/>
+            <a:normAutofit/>
           </a:bodyPr>
           <a:lstStyle/>
           <a:p>
@@ -2101,38 +2135,41 @@
             <a:br/>
             <a:br/>
             <a:r>
-              <a:rPr b="0" sz="2200"/>
+              <a:rPr sz="2200" b="0"/>
               <a:t>Following data exploration and engineering, the model incorporates the variables:</a:t>
             </a:r>
             <a:br>
-              <a:rPr b="0" sz="2200"/>
-            </a:br>
-            <a:br>
-              <a:rPr b="0" sz="2200"/>
+              <a:rPr sz="2200" b="0"/>
+            </a:br>
+            <a:br>
+              <a:rPr sz="2200" b="0"/>
             </a:br>
             <a:r>
-              <a:rPr b="0" i="1" sz="2200"/>
+              <a:rPr sz="2200" b="0" i="1"/>
               <a:t>hotel, lead_time, arrival_date_year, arrival_date_month, arrival_date_week_number, arrival_date_day_of_month, meal, country, market_segment, distribution_channel, previous_cancellations, previous_booking_not_canceled, deposit_type, days_in_waiting_list, customer_type, and AverageDailyRate.</a:t>
             </a:r>
             <a:br/>
             <a:br/>
             <a:r>
-              <a:rPr b="0" sz="2200"/>
+              <a:rPr sz="2200" b="0"/>
               <a:t>The dataset is split into 75% training data and 25% testing data. With a categorical target variable (0 and 1), a logistic regression model (binomial) is applied for predictive analysis.</a:t>
             </a:r>
             <a:br>
-              <a:rPr b="0" sz="2200"/>
-            </a:br>
-            <a:br>
-              <a:rPr b="0" sz="2200"/>
-            </a:br>
+              <a:rPr sz="2200" b="0"/>
+            </a:br>
+            <a:br>
+              <a:rPr sz="2200" b="0"/>
+            </a:br>
+            <a:endParaRPr sz="2200" b="0"/>
           </a:p>
         </p:txBody>
       </p:sp>
       <p:sp>
         <p:nvSpPr>
           <p:cNvPr id="35" name="Slide Number"/>
-          <p:cNvSpPr txBox="1"/>
+          <p:cNvSpPr txBox="1">
+            <a:spLocks noGrp="1"/>
+          </p:cNvSpPr>
           <p:nvPr>
             <p:ph type="sldNum" sz="quarter" idx="2"/>
           </p:nvPr>
@@ -2147,7 +2184,7 @@
           </a:prstGeom>
           <a:extLst>
             <a:ext uri="{C572A759-6A51-4108-AA02-DFA0A04FC94B}">
-              <ma14:wrappingTextBoxFlag xmlns:ma14="http://schemas.microsoft.com/office/mac/drawingml/2011/main" val="1"/>
+              <ma14:wrappingTextBoxFlag xmlns:ma14="http://schemas.microsoft.com/office/mac/drawingml/2011/main" xmlns:a14="http://schemas.microsoft.com/office/drawing/2010/main" xmlns:m="http://schemas.openxmlformats.org/officeDocument/2006/math" xmlns="" val="1"/>
             </a:ext>
           </a:extLst>
         </p:spPr>
@@ -2155,8 +2192,10 @@
           <a:bodyPr/>
           <a:lstStyle/>
           <a:p>
-            <a:pPr/>
-            <a:fld id="{86CB4B4D-7CA3-9044-876B-883B54F8677D}" type="slidenum"/>
+            <a:fld id="{86CB4B4D-7CA3-9044-876B-883B54F8677D}" type="slidenum">
+              <a:t>4</a:t>
+            </a:fld>
+            <a:endParaRPr/>
           </a:p>
         </p:txBody>
       </p:sp>
@@ -2165,12 +2204,12 @@
   <p:clrMapOvr>
     <a:masterClrMapping/>
   </p:clrMapOvr>
-  <p:transition xmlns:p14="http://schemas.microsoft.com/office/powerpoint/2010/main" spd="med" advClick="1"/>
+  <p:transition spd="med"/>
 </p:sld>
 </file>
 
 <file path=ppt/slides/slide5.xml><?xml version="1.0" encoding="utf-8"?>
-<p:sld xmlns:a="http://schemas.openxmlformats.org/drawingml/2006/main" xmlns:r="http://schemas.openxmlformats.org/officeDocument/2006/relationships" xmlns:p="http://schemas.openxmlformats.org/presentationml/2006/main" xmlns:m="http://schemas.openxmlformats.org/officeDocument/2006/math" xmlns:a14="http://schemas.microsoft.com/office/drawing/2010/main" showMasterSp="1" showMasterPhAnim="1">
+<p:sld xmlns:a="http://schemas.openxmlformats.org/drawingml/2006/main" xmlns:r="http://schemas.openxmlformats.org/officeDocument/2006/relationships" xmlns:p="http://schemas.openxmlformats.org/presentationml/2006/main">
   <p:cSld>
     <p:spTree>
       <p:nvGrpSpPr>
@@ -2189,7 +2228,9 @@
       <p:sp>
         <p:nvSpPr>
           <p:cNvPr id="37" name="Proposed Predictive model…    Logistic regression assumes a linear relationship between the independent features and the log-odds of the target.  As a result, the decision boundary is a  linear function of the features. The shape  of the decision boundar"/>
-          <p:cNvSpPr txBox="1"/>
+          <p:cNvSpPr txBox="1">
+            <a:spLocks noGrp="1"/>
+          </p:cNvSpPr>
           <p:nvPr>
             <p:ph type="body" idx="4294967295"/>
           </p:nvPr>
@@ -2205,7 +2246,7 @@
         </p:spPr>
         <p:txBody>
           <a:bodyPr numCol="2" spcCol="561135">
-            <a:normAutofit fontScale="100000" lnSpcReduction="0"/>
+            <a:normAutofit/>
           </a:bodyPr>
           <a:lstStyle/>
           <a:p>
@@ -2220,28 +2261,28 @@
             <a:br/>
             <a:br/>
             <a:r>
-              <a:rPr b="0" sz="2200"/>
+              <a:rPr sz="2200" b="0"/>
               <a:t>Logistic regression assumes a linear relationship between the independent features and the log-odds of the target. </a:t>
             </a:r>
             <a:br>
-              <a:rPr b="0" sz="2200"/>
+              <a:rPr sz="2200" b="0"/>
             </a:br>
             <a:r>
-              <a:rPr b="0" sz="2200"/>
+              <a:rPr sz="2200" b="0"/>
               <a:t>As a result, the decision boundary is a </a:t>
             </a:r>
             <a:br>
-              <a:rPr b="0" sz="2200"/>
+              <a:rPr sz="2200" b="0"/>
             </a:br>
             <a:r>
-              <a:rPr b="0" sz="2200"/>
+              <a:rPr sz="2200" b="0"/>
               <a:t>linear function of the features. The shape </a:t>
             </a:r>
             <a:br>
-              <a:rPr b="0" sz="2200"/>
+              <a:rPr sz="2200" b="0"/>
             </a:br>
             <a:r>
-              <a:rPr b="0" sz="2200"/>
+              <a:rPr sz="2200" b="0"/>
               <a:t>of the decision boundary reflects the linearity assumption of logistic regression.</a:t>
             </a:r>
             <a:br/>
@@ -2267,13 +2308,16 @@
               <a:t>    </a:t>
             </a:r>
             <a:br/>
+            <a:endParaRPr/>
           </a:p>
         </p:txBody>
       </p:sp>
       <p:sp>
         <p:nvSpPr>
           <p:cNvPr id="38" name="Slide Number"/>
-          <p:cNvSpPr txBox="1"/>
+          <p:cNvSpPr txBox="1">
+            <a:spLocks noGrp="1"/>
+          </p:cNvSpPr>
           <p:nvPr>
             <p:ph type="sldNum" sz="quarter" idx="2"/>
           </p:nvPr>
@@ -2288,7 +2332,7 @@
           </a:prstGeom>
           <a:extLst>
             <a:ext uri="{C572A759-6A51-4108-AA02-DFA0A04FC94B}">
-              <ma14:wrappingTextBoxFlag xmlns:ma14="http://schemas.microsoft.com/office/mac/drawingml/2011/main" val="1"/>
+              <ma14:wrappingTextBoxFlag xmlns:ma14="http://schemas.microsoft.com/office/mac/drawingml/2011/main" xmlns:a14="http://schemas.microsoft.com/office/drawing/2010/main" xmlns:m="http://schemas.openxmlformats.org/officeDocument/2006/math" xmlns="" val="1"/>
             </a:ext>
           </a:extLst>
         </p:spPr>
@@ -2296,8 +2340,10 @@
           <a:bodyPr/>
           <a:lstStyle/>
           <a:p>
-            <a:pPr/>
-            <a:fld id="{86CB4B4D-7CA3-9044-876B-883B54F8677D}" type="slidenum"/>
+            <a:fld id="{86CB4B4D-7CA3-9044-876B-883B54F8677D}" type="slidenum">
+              <a:t>5</a:t>
+            </a:fld>
+            <a:endParaRPr/>
           </a:p>
         </p:txBody>
       </p:sp>
@@ -2310,9 +2356,7 @@
           <p:nvPr/>
         </p:nvPicPr>
         <p:blipFill>
-          <a:blip r:embed="rId2">
-            <a:extLst/>
-          </a:blip>
+          <a:blip r:embed="rId2"/>
           <a:stretch>
             <a:fillRect/>
           </a:stretch>
@@ -2335,12 +2379,12 @@
   <p:clrMapOvr>
     <a:masterClrMapping/>
   </p:clrMapOvr>
-  <p:transition xmlns:p14="http://schemas.microsoft.com/office/powerpoint/2010/main" spd="med" advClick="1"/>
+  <p:transition spd="med"/>
 </p:sld>
 </file>
 
 <file path=ppt/slides/slide6.xml><?xml version="1.0" encoding="utf-8"?>
-<p:sld xmlns:a="http://schemas.openxmlformats.org/drawingml/2006/main" xmlns:r="http://schemas.openxmlformats.org/officeDocument/2006/relationships" xmlns:p="http://schemas.openxmlformats.org/presentationml/2006/main" xmlns:m="http://schemas.openxmlformats.org/officeDocument/2006/math" xmlns:a14="http://schemas.microsoft.com/office/drawing/2010/main" showMasterSp="1" showMasterPhAnim="1">
+<p:sld xmlns:a="http://schemas.openxmlformats.org/drawingml/2006/main" xmlns:r="http://schemas.openxmlformats.org/officeDocument/2006/relationships" xmlns:p="http://schemas.openxmlformats.org/presentationml/2006/main">
   <p:cSld>
     <p:spTree>
       <p:nvGrpSpPr>
@@ -2359,7 +2403,9 @@
       <p:sp>
         <p:nvSpPr>
           <p:cNvPr id="41" name="Analytical &amp; Inference results   Heatmap:  Identifies the variables correlated with the cancellation status. Moreover, The linear progression here provides a visually intuitive way to understand the relative magnitudes of the values and their relationshi"/>
-          <p:cNvSpPr txBox="1"/>
+          <p:cNvSpPr txBox="1">
+            <a:spLocks noGrp="1"/>
+          </p:cNvSpPr>
           <p:nvPr>
             <p:ph type="body" idx="4294967295"/>
           </p:nvPr>
@@ -2375,7 +2421,7 @@
         </p:spPr>
         <p:txBody>
           <a:bodyPr numCol="2" spcCol="573872">
-            <a:normAutofit fontScale="100000" lnSpcReduction="0"/>
+            <a:normAutofit/>
           </a:bodyPr>
           <a:lstStyle/>
           <a:p>
@@ -2592,13 +2638,21 @@
                 <a:sym typeface="Times Roman"/>
               </a:rPr>
             </a:br>
+            <a:endParaRPr sz="1200">
+              <a:latin typeface="Times Roman"/>
+              <a:ea typeface="Times Roman"/>
+              <a:cs typeface="Times Roman"/>
+              <a:sym typeface="Times Roman"/>
+            </a:endParaRPr>
           </a:p>
         </p:txBody>
       </p:sp>
       <p:sp>
         <p:nvSpPr>
           <p:cNvPr id="42" name="Slide Number"/>
-          <p:cNvSpPr txBox="1"/>
+          <p:cNvSpPr txBox="1">
+            <a:spLocks noGrp="1"/>
+          </p:cNvSpPr>
           <p:nvPr>
             <p:ph type="sldNum" sz="quarter" idx="2"/>
           </p:nvPr>
@@ -2613,7 +2667,7 @@
           </a:prstGeom>
           <a:extLst>
             <a:ext uri="{C572A759-6A51-4108-AA02-DFA0A04FC94B}">
-              <ma14:wrappingTextBoxFlag xmlns:ma14="http://schemas.microsoft.com/office/mac/drawingml/2011/main" val="1"/>
+              <ma14:wrappingTextBoxFlag xmlns:ma14="http://schemas.microsoft.com/office/mac/drawingml/2011/main" xmlns:a14="http://schemas.microsoft.com/office/drawing/2010/main" xmlns:m="http://schemas.openxmlformats.org/officeDocument/2006/math" xmlns="" val="1"/>
             </a:ext>
           </a:extLst>
         </p:spPr>
@@ -2621,8 +2675,10 @@
           <a:bodyPr/>
           <a:lstStyle/>
           <a:p>
-            <a:pPr/>
-            <a:fld id="{86CB4B4D-7CA3-9044-876B-883B54F8677D}" type="slidenum"/>
+            <a:fld id="{86CB4B4D-7CA3-9044-876B-883B54F8677D}" type="slidenum">
+              <a:t>6</a:t>
+            </a:fld>
+            <a:endParaRPr/>
           </a:p>
         </p:txBody>
       </p:sp>
@@ -2635,9 +2691,7 @@
           <p:nvPr/>
         </p:nvPicPr>
         <p:blipFill>
-          <a:blip r:embed="rId2">
-            <a:extLst/>
-          </a:blip>
+          <a:blip r:embed="rId2"/>
           <a:stretch>
             <a:fillRect/>
           </a:stretch>
@@ -2660,12 +2714,12 @@
   <p:clrMapOvr>
     <a:masterClrMapping/>
   </p:clrMapOvr>
-  <p:transition xmlns:p14="http://schemas.microsoft.com/office/powerpoint/2010/main" spd="med" advClick="1"/>
+  <p:transition spd="med"/>
 </p:sld>
 </file>
 
 <file path=ppt/slides/slide7.xml><?xml version="1.0" encoding="utf-8"?>
-<p:sld xmlns:a="http://schemas.openxmlformats.org/drawingml/2006/main" xmlns:r="http://schemas.openxmlformats.org/officeDocument/2006/relationships" xmlns:p="http://schemas.openxmlformats.org/presentationml/2006/main" xmlns:m="http://schemas.openxmlformats.org/officeDocument/2006/math" xmlns:a14="http://schemas.microsoft.com/office/drawing/2010/main" showMasterSp="1" showMasterPhAnim="1">
+<p:sld xmlns:a="http://schemas.openxmlformats.org/drawingml/2006/main" xmlns:r="http://schemas.openxmlformats.org/officeDocument/2006/relationships" xmlns:p="http://schemas.openxmlformats.org/presentationml/2006/main">
   <p:cSld>
     <p:spTree>
       <p:nvGrpSpPr>
@@ -2684,7 +2738,9 @@
       <p:sp>
         <p:nvSpPr>
           <p:cNvPr id="45" name="Analytical &amp; Inference results  Confusion matrix:               Since the confusion matrix has FN (False Negatives) = 0 and FP (False Positives) = 0, it indicates that the model has made no errors in classifying the positive and negative instances. The p"/>
-          <p:cNvSpPr txBox="1"/>
+          <p:cNvSpPr txBox="1">
+            <a:spLocks noGrp="1"/>
+          </p:cNvSpPr>
           <p:nvPr>
             <p:ph type="body" idx="4294967295"/>
           </p:nvPr>
@@ -2700,7 +2756,7 @@
         </p:spPr>
         <p:txBody>
           <a:bodyPr numCol="2" spcCol="578148">
-            <a:normAutofit fontScale="100000" lnSpcReduction="0"/>
+            <a:normAutofit/>
           </a:bodyPr>
           <a:lstStyle/>
           <a:p>
@@ -2782,13 +2838,16 @@
             <a:br>
               <a:rPr sz="3000"/>
             </a:br>
+            <a:endParaRPr sz="3000"/>
           </a:p>
         </p:txBody>
       </p:sp>
       <p:sp>
         <p:nvSpPr>
           <p:cNvPr id="46" name="Slide Number"/>
-          <p:cNvSpPr txBox="1"/>
+          <p:cNvSpPr txBox="1">
+            <a:spLocks noGrp="1"/>
+          </p:cNvSpPr>
           <p:nvPr>
             <p:ph type="sldNum" sz="quarter" idx="2"/>
           </p:nvPr>
@@ -2803,7 +2862,7 @@
           </a:prstGeom>
           <a:extLst>
             <a:ext uri="{C572A759-6A51-4108-AA02-DFA0A04FC94B}">
-              <ma14:wrappingTextBoxFlag xmlns:ma14="http://schemas.microsoft.com/office/mac/drawingml/2011/main" val="1"/>
+              <ma14:wrappingTextBoxFlag xmlns:ma14="http://schemas.microsoft.com/office/mac/drawingml/2011/main" xmlns:a14="http://schemas.microsoft.com/office/drawing/2010/main" xmlns:m="http://schemas.openxmlformats.org/officeDocument/2006/math" xmlns="" val="1"/>
             </a:ext>
           </a:extLst>
         </p:spPr>
@@ -2811,8 +2870,10 @@
           <a:bodyPr/>
           <a:lstStyle/>
           <a:p>
-            <a:pPr/>
-            <a:fld id="{86CB4B4D-7CA3-9044-876B-883B54F8677D}" type="slidenum"/>
+            <a:fld id="{86CB4B4D-7CA3-9044-876B-883B54F8677D}" type="slidenum">
+              <a:t>7</a:t>
+            </a:fld>
+            <a:endParaRPr/>
           </a:p>
         </p:txBody>
       </p:sp>
@@ -2825,9 +2886,7 @@
           <p:nvPr/>
         </p:nvPicPr>
         <p:blipFill>
-          <a:blip r:embed="rId2">
-            <a:extLst/>
-          </a:blip>
+          <a:blip r:embed="rId2"/>
           <a:stretch>
             <a:fillRect/>
           </a:stretch>
@@ -2850,12 +2909,12 @@
   <p:clrMapOvr>
     <a:masterClrMapping/>
   </p:clrMapOvr>
-  <p:transition xmlns:p14="http://schemas.microsoft.com/office/powerpoint/2010/main" spd="med" advClick="1"/>
+  <p:transition spd="med"/>
 </p:sld>
 </file>
 
 <file path=ppt/theme/theme1.xml><?xml version="1.0" encoding="utf-8"?>
-<a:theme xmlns:a="http://schemas.openxmlformats.org/drawingml/2006/main" xmlns:r="http://schemas.openxmlformats.org/officeDocument/2006/relationships" name="Office Theme">
+<a:theme xmlns:a="http://schemas.openxmlformats.org/drawingml/2006/main" name="Office Theme">
   <a:themeElements>
     <a:clrScheme name="Office Theme">
       <a:dk1>
@@ -2987,7 +3046,7 @@
         </a:effectStyle>
         <a:effectStyle>
           <a:effectLst>
-            <a:outerShdw sx="100000" sy="100000" kx="0" ky="0" algn="b" rotWithShape="0" blurRad="38100" dist="20000" dir="5400000">
+            <a:outerShdw blurRad="38100" dist="20000" dir="5400000" rotWithShape="0">
               <a:srgbClr val="000000">
                 <a:alpha val="38000"/>
               </a:srgbClr>
@@ -3063,7 +3122,7 @@
         <a:effectLst/>
         <a:sp3d/>
       </a:spPr>
-      <a:bodyPr rot="0" spcFirstLastPara="1" vertOverflow="overflow" horzOverflow="overflow" vert="horz" wrap="square" lIns="45719" tIns="45719" rIns="45719" bIns="45719" numCol="1" spcCol="38100" rtlCol="0" anchor="t" upright="0">
+      <a:bodyPr rot="0" spcFirstLastPara="1" vertOverflow="overflow" horzOverflow="overflow" vert="horz" wrap="square" lIns="45719" tIns="45719" rIns="45719" bIns="45719" numCol="1" spcCol="38100" rtlCol="0" anchor="t">
         <a:spAutoFit/>
       </a:bodyPr>
       <a:lstStyle>
@@ -3082,7 +3141,7 @@
           <a:buFontTx/>
           <a:buNone/>
           <a:tabLst/>
-          <a:defRPr b="0" baseline="0" cap="none" i="0" spc="0" strike="noStrike" sz="1800" u="none" kumimoji="0" normalizeH="0">
+          <a:defRPr kumimoji="0" sz="1800" b="0" i="0" u="none" strike="noStrike" cap="none" spc="0" normalizeH="0" baseline="0">
             <a:ln>
               <a:noFill/>
             </a:ln>
@@ -3112,7 +3171,7 @@
           <a:buFontTx/>
           <a:buNone/>
           <a:tabLst/>
-          <a:defRPr b="0" baseline="0" cap="none" i="0" spc="0" strike="noStrike" sz="1800" u="none" kumimoji="0" normalizeH="0">
+          <a:defRPr kumimoji="0" sz="1800" b="0" i="0" u="none" strike="noStrike" cap="none" spc="0" normalizeH="0" baseline="0">
             <a:ln>
               <a:noFill/>
             </a:ln>
@@ -3138,7 +3197,7 @@
           <a:buFontTx/>
           <a:buNone/>
           <a:tabLst/>
-          <a:defRPr b="0" baseline="0" cap="none" i="0" spc="0" strike="noStrike" sz="1800" u="none" kumimoji="0" normalizeH="0">
+          <a:defRPr kumimoji="0" sz="1800" b="0" i="0" u="none" strike="noStrike" cap="none" spc="0" normalizeH="0" baseline="0">
             <a:ln>
               <a:noFill/>
             </a:ln>
@@ -3164,7 +3223,7 @@
           <a:buFontTx/>
           <a:buNone/>
           <a:tabLst/>
-          <a:defRPr b="0" baseline="0" cap="none" i="0" spc="0" strike="noStrike" sz="1800" u="none" kumimoji="0" normalizeH="0">
+          <a:defRPr kumimoji="0" sz="1800" b="0" i="0" u="none" strike="noStrike" cap="none" spc="0" normalizeH="0" baseline="0">
             <a:ln>
               <a:noFill/>
             </a:ln>
@@ -3190,7 +3249,7 @@
           <a:buFontTx/>
           <a:buNone/>
           <a:tabLst/>
-          <a:defRPr b="0" baseline="0" cap="none" i="0" spc="0" strike="noStrike" sz="1800" u="none" kumimoji="0" normalizeH="0">
+          <a:defRPr kumimoji="0" sz="1800" b="0" i="0" u="none" strike="noStrike" cap="none" spc="0" normalizeH="0" baseline="0">
             <a:ln>
               <a:noFill/>
             </a:ln>
@@ -3216,7 +3275,7 @@
           <a:buFontTx/>
           <a:buNone/>
           <a:tabLst/>
-          <a:defRPr b="0" baseline="0" cap="none" i="0" spc="0" strike="noStrike" sz="1800" u="none" kumimoji="0" normalizeH="0">
+          <a:defRPr kumimoji="0" sz="1800" b="0" i="0" u="none" strike="noStrike" cap="none" spc="0" normalizeH="0" baseline="0">
             <a:ln>
               <a:noFill/>
             </a:ln>
@@ -3242,7 +3301,7 @@
           <a:buFontTx/>
           <a:buNone/>
           <a:tabLst/>
-          <a:defRPr b="0" baseline="0" cap="none" i="0" spc="0" strike="noStrike" sz="1800" u="none" kumimoji="0" normalizeH="0">
+          <a:defRPr kumimoji="0" sz="1800" b="0" i="0" u="none" strike="noStrike" cap="none" spc="0" normalizeH="0" baseline="0">
             <a:ln>
               <a:noFill/>
             </a:ln>
@@ -3268,7 +3327,7 @@
           <a:buFontTx/>
           <a:buNone/>
           <a:tabLst/>
-          <a:defRPr b="0" baseline="0" cap="none" i="0" spc="0" strike="noStrike" sz="1800" u="none" kumimoji="0" normalizeH="0">
+          <a:defRPr kumimoji="0" sz="1800" b="0" i="0" u="none" strike="noStrike" cap="none" spc="0" normalizeH="0" baseline="0">
             <a:ln>
               <a:noFill/>
             </a:ln>
@@ -3294,7 +3353,7 @@
           <a:buFontTx/>
           <a:buNone/>
           <a:tabLst/>
-          <a:defRPr b="0" baseline="0" cap="none" i="0" spc="0" strike="noStrike" sz="1800" u="none" kumimoji="0" normalizeH="0">
+          <a:defRPr kumimoji="0" sz="1800" b="0" i="0" u="none" strike="noStrike" cap="none" spc="0" normalizeH="0" baseline="0">
             <a:ln>
               <a:noFill/>
             </a:ln>
@@ -3320,7 +3379,7 @@
           <a:buFontTx/>
           <a:buNone/>
           <a:tabLst/>
-          <a:defRPr b="0" baseline="0" cap="none" i="0" spc="0" strike="noStrike" sz="1800" u="none" kumimoji="0" normalizeH="0">
+          <a:defRPr kumimoji="0" sz="1800" b="0" i="0" u="none" strike="noStrike" cap="none" spc="0" normalizeH="0" baseline="0">
             <a:ln>
               <a:noFill/>
             </a:ln>
@@ -3333,9 +3392,15 @@
         </a:lvl9pPr>
       </a:lstStyle>
       <a:style>
-        <a:lnRef idx="0"/>
-        <a:fillRef idx="0"/>
-        <a:effectRef idx="0"/>
+        <a:lnRef idx="0">
+          <a:scrgbClr r="0" g="0" b="0"/>
+        </a:lnRef>
+        <a:fillRef idx="0">
+          <a:scrgbClr r="0" g="0" b="0"/>
+        </a:fillRef>
+        <a:effectRef idx="0">
+          <a:scrgbClr r="0" g="0" b="0"/>
+        </a:effectRef>
         <a:fontRef idx="none"/>
       </a:style>
     </a:spDef>
@@ -3350,7 +3415,7 @@
           <a:round/>
         </a:ln>
         <a:effectLst>
-          <a:outerShdw sx="100000" sy="100000" kx="0" ky="0" algn="b" rotWithShape="0" blurRad="38100" dist="20000" dir="5400000">
+          <a:outerShdw blurRad="38100" dist="20000" dir="5400000" rotWithShape="0">
             <a:srgbClr val="000000">
               <a:alpha val="38000"/>
             </a:srgbClr>
@@ -3358,7 +3423,7 @@
         </a:effectLst>
         <a:sp3d/>
       </a:spPr>
-      <a:bodyPr rot="0" spcFirstLastPara="1" vertOverflow="overflow" horzOverflow="overflow" vert="horz" wrap="square" lIns="91439" tIns="45719" rIns="91439" bIns="45719" numCol="1" spcCol="38100" rtlCol="0" anchor="t" upright="0">
+      <a:bodyPr rot="0" spcFirstLastPara="1" vertOverflow="overflow" horzOverflow="overflow" vert="horz" wrap="square" lIns="91439" tIns="45719" rIns="91439" bIns="45719" numCol="1" spcCol="38100" rtlCol="0" anchor="t">
         <a:noAutofit/>
       </a:bodyPr>
       <a:lstStyle>
@@ -3377,7 +3442,7 @@
           <a:buFontTx/>
           <a:buNone/>
           <a:tabLst/>
-          <a:defRPr b="0" baseline="0" cap="none" i="0" spc="0" strike="noStrike" sz="1800" u="none" kumimoji="0" normalizeH="0">
+          <a:defRPr kumimoji="0" sz="1800" b="0" i="0" u="none" strike="noStrike" cap="none" spc="0" normalizeH="0" baseline="0">
             <a:ln>
               <a:noFill/>
             </a:ln>
@@ -3403,7 +3468,7 @@
           <a:buFontTx/>
           <a:buNone/>
           <a:tabLst/>
-          <a:defRPr b="0" baseline="0" cap="none" i="0" spc="0" strike="noStrike" sz="1800" u="none" kumimoji="0" normalizeH="0">
+          <a:defRPr kumimoji="0" sz="1800" b="0" i="0" u="none" strike="noStrike" cap="none" spc="0" normalizeH="0" baseline="0">
             <a:ln>
               <a:noFill/>
             </a:ln>
@@ -3429,7 +3494,7 @@
           <a:buFontTx/>
           <a:buNone/>
           <a:tabLst/>
-          <a:defRPr b="0" baseline="0" cap="none" i="0" spc="0" strike="noStrike" sz="1800" u="none" kumimoji="0" normalizeH="0">
+          <a:defRPr kumimoji="0" sz="1800" b="0" i="0" u="none" strike="noStrike" cap="none" spc="0" normalizeH="0" baseline="0">
             <a:ln>
               <a:noFill/>
             </a:ln>
@@ -3455,7 +3520,7 @@
           <a:buFontTx/>
           <a:buNone/>
           <a:tabLst/>
-          <a:defRPr b="0" baseline="0" cap="none" i="0" spc="0" strike="noStrike" sz="1800" u="none" kumimoji="0" normalizeH="0">
+          <a:defRPr kumimoji="0" sz="1800" b="0" i="0" u="none" strike="noStrike" cap="none" spc="0" normalizeH="0" baseline="0">
             <a:ln>
               <a:noFill/>
             </a:ln>
@@ -3481,7 +3546,7 @@
           <a:buFontTx/>
           <a:buNone/>
           <a:tabLst/>
-          <a:defRPr b="0" baseline="0" cap="none" i="0" spc="0" strike="noStrike" sz="1800" u="none" kumimoji="0" normalizeH="0">
+          <a:defRPr kumimoji="0" sz="1800" b="0" i="0" u="none" strike="noStrike" cap="none" spc="0" normalizeH="0" baseline="0">
             <a:ln>
               <a:noFill/>
             </a:ln>
@@ -3507,7 +3572,7 @@
           <a:buFontTx/>
           <a:buNone/>
           <a:tabLst/>
-          <a:defRPr b="0" baseline="0" cap="none" i="0" spc="0" strike="noStrike" sz="1800" u="none" kumimoji="0" normalizeH="0">
+          <a:defRPr kumimoji="0" sz="1800" b="0" i="0" u="none" strike="noStrike" cap="none" spc="0" normalizeH="0" baseline="0">
             <a:ln>
               <a:noFill/>
             </a:ln>
@@ -3533,7 +3598,7 @@
           <a:buFontTx/>
           <a:buNone/>
           <a:tabLst/>
-          <a:defRPr b="0" baseline="0" cap="none" i="0" spc="0" strike="noStrike" sz="1800" u="none" kumimoji="0" normalizeH="0">
+          <a:defRPr kumimoji="0" sz="1800" b="0" i="0" u="none" strike="noStrike" cap="none" spc="0" normalizeH="0" baseline="0">
             <a:ln>
               <a:noFill/>
             </a:ln>
@@ -3559,7 +3624,7 @@
           <a:buFontTx/>
           <a:buNone/>
           <a:tabLst/>
-          <a:defRPr b="0" baseline="0" cap="none" i="0" spc="0" strike="noStrike" sz="1800" u="none" kumimoji="0" normalizeH="0">
+          <a:defRPr kumimoji="0" sz="1800" b="0" i="0" u="none" strike="noStrike" cap="none" spc="0" normalizeH="0" baseline="0">
             <a:ln>
               <a:noFill/>
             </a:ln>
@@ -3585,7 +3650,7 @@
           <a:buFontTx/>
           <a:buNone/>
           <a:tabLst/>
-          <a:defRPr b="0" baseline="0" cap="none" i="0" spc="0" strike="noStrike" sz="1800" u="none" kumimoji="0" normalizeH="0">
+          <a:defRPr kumimoji="0" sz="1800" b="0" i="0" u="none" strike="noStrike" cap="none" spc="0" normalizeH="0" baseline="0">
             <a:ln>
               <a:noFill/>
             </a:ln>
@@ -3611,7 +3676,7 @@
           <a:buFontTx/>
           <a:buNone/>
           <a:tabLst/>
-          <a:defRPr b="0" baseline="0" cap="none" i="0" spc="0" strike="noStrike" sz="1800" u="none" kumimoji="0" normalizeH="0">
+          <a:defRPr kumimoji="0" sz="1800" b="0" i="0" u="none" strike="noStrike" cap="none" spc="0" normalizeH="0" baseline="0">
             <a:ln>
               <a:noFill/>
             </a:ln>
@@ -3624,9 +3689,15 @@
         </a:lvl9pPr>
       </a:lstStyle>
       <a:style>
-        <a:lnRef idx="0"/>
-        <a:fillRef idx="0"/>
-        <a:effectRef idx="0"/>
+        <a:lnRef idx="0">
+          <a:scrgbClr r="0" g="0" b="0"/>
+        </a:lnRef>
+        <a:fillRef idx="0">
+          <a:scrgbClr r="0" g="0" b="0"/>
+        </a:fillRef>
+        <a:effectRef idx="0">
+          <a:scrgbClr r="0" g="0" b="0"/>
+        </a:effectRef>
         <a:fontRef idx="none"/>
       </a:style>
     </a:lnDef>
@@ -3640,7 +3711,7 @@
         <a:effectLst/>
         <a:sp3d/>
       </a:spPr>
-      <a:bodyPr rot="0" spcFirstLastPara="1" vertOverflow="overflow" horzOverflow="overflow" vert="horz" wrap="square" lIns="45719" tIns="45719" rIns="45719" bIns="45719" numCol="1" spcCol="38100" rtlCol="0" anchor="t" upright="0">
+      <a:bodyPr rot="0" spcFirstLastPara="1" vertOverflow="overflow" horzOverflow="overflow" vert="horz" wrap="square" lIns="45719" tIns="45719" rIns="45719" bIns="45719" numCol="1" spcCol="38100" rtlCol="0" anchor="t">
         <a:spAutoFit/>
       </a:bodyPr>
       <a:lstStyle>
@@ -3659,7 +3730,7 @@
           <a:buFontTx/>
           <a:buNone/>
           <a:tabLst/>
-          <a:defRPr b="0" baseline="0" cap="none" i="0" spc="0" strike="noStrike" sz="1800" u="none" kumimoji="0" normalizeH="0">
+          <a:defRPr kumimoji="0" sz="1800" b="0" i="0" u="none" strike="noStrike" cap="none" spc="0" normalizeH="0" baseline="0">
             <a:ln>
               <a:noFill/>
             </a:ln>
@@ -3689,7 +3760,7 @@
           <a:buFontTx/>
           <a:buNone/>
           <a:tabLst/>
-          <a:defRPr b="0" baseline="0" cap="none" i="0" spc="0" strike="noStrike" sz="1800" u="none" kumimoji="0" normalizeH="0">
+          <a:defRPr kumimoji="0" sz="1800" b="0" i="0" u="none" strike="noStrike" cap="none" spc="0" normalizeH="0" baseline="0">
             <a:ln>
               <a:noFill/>
             </a:ln>
@@ -3715,7 +3786,7 @@
           <a:buFontTx/>
           <a:buNone/>
           <a:tabLst/>
-          <a:defRPr b="0" baseline="0" cap="none" i="0" spc="0" strike="noStrike" sz="1800" u="none" kumimoji="0" normalizeH="0">
+          <a:defRPr kumimoji="0" sz="1800" b="0" i="0" u="none" strike="noStrike" cap="none" spc="0" normalizeH="0" baseline="0">
             <a:ln>
               <a:noFill/>
             </a:ln>
@@ -3741,7 +3812,7 @@
           <a:buFontTx/>
           <a:buNone/>
           <a:tabLst/>
-          <a:defRPr b="0" baseline="0" cap="none" i="0" spc="0" strike="noStrike" sz="1800" u="none" kumimoji="0" normalizeH="0">
+          <a:defRPr kumimoji="0" sz="1800" b="0" i="0" u="none" strike="noStrike" cap="none" spc="0" normalizeH="0" baseline="0">
             <a:ln>
               <a:noFill/>
             </a:ln>
@@ -3767,7 +3838,7 @@
           <a:buFontTx/>
           <a:buNone/>
           <a:tabLst/>
-          <a:defRPr b="0" baseline="0" cap="none" i="0" spc="0" strike="noStrike" sz="1800" u="none" kumimoji="0" normalizeH="0">
+          <a:defRPr kumimoji="0" sz="1800" b="0" i="0" u="none" strike="noStrike" cap="none" spc="0" normalizeH="0" baseline="0">
             <a:ln>
               <a:noFill/>
             </a:ln>
@@ -3793,7 +3864,7 @@
           <a:buFontTx/>
           <a:buNone/>
           <a:tabLst/>
-          <a:defRPr b="0" baseline="0" cap="none" i="0" spc="0" strike="noStrike" sz="1800" u="none" kumimoji="0" normalizeH="0">
+          <a:defRPr kumimoji="0" sz="1800" b="0" i="0" u="none" strike="noStrike" cap="none" spc="0" normalizeH="0" baseline="0">
             <a:ln>
               <a:noFill/>
             </a:ln>
@@ -3819,7 +3890,7 @@
           <a:buFontTx/>
           <a:buNone/>
           <a:tabLst/>
-          <a:defRPr b="0" baseline="0" cap="none" i="0" spc="0" strike="noStrike" sz="1800" u="none" kumimoji="0" normalizeH="0">
+          <a:defRPr kumimoji="0" sz="1800" b="0" i="0" u="none" strike="noStrike" cap="none" spc="0" normalizeH="0" baseline="0">
             <a:ln>
               <a:noFill/>
             </a:ln>
@@ -3845,7 +3916,7 @@
           <a:buFontTx/>
           <a:buNone/>
           <a:tabLst/>
-          <a:defRPr b="0" baseline="0" cap="none" i="0" spc="0" strike="noStrike" sz="1800" u="none" kumimoji="0" normalizeH="0">
+          <a:defRPr kumimoji="0" sz="1800" b="0" i="0" u="none" strike="noStrike" cap="none" spc="0" normalizeH="0" baseline="0">
             <a:ln>
               <a:noFill/>
             </a:ln>
@@ -3871,7 +3942,7 @@
           <a:buFontTx/>
           <a:buNone/>
           <a:tabLst/>
-          <a:defRPr b="0" baseline="0" cap="none" i="0" spc="0" strike="noStrike" sz="1800" u="none" kumimoji="0" normalizeH="0">
+          <a:defRPr kumimoji="0" sz="1800" b="0" i="0" u="none" strike="noStrike" cap="none" spc="0" normalizeH="0" baseline="0">
             <a:ln>
               <a:noFill/>
             </a:ln>
@@ -3897,7 +3968,7 @@
           <a:buFontTx/>
           <a:buNone/>
           <a:tabLst/>
-          <a:defRPr b="0" baseline="0" cap="none" i="0" spc="0" strike="noStrike" sz="1800" u="none" kumimoji="0" normalizeH="0">
+          <a:defRPr kumimoji="0" sz="1800" b="0" i="0" u="none" strike="noStrike" cap="none" spc="0" normalizeH="0" baseline="0">
             <a:ln>
               <a:noFill/>
             </a:ln>
@@ -3910,18 +3981,25 @@
         </a:lvl9pPr>
       </a:lstStyle>
       <a:style>
-        <a:lnRef idx="0"/>
-        <a:fillRef idx="0"/>
-        <a:effectRef idx="0"/>
+        <a:lnRef idx="0">
+          <a:scrgbClr r="0" g="0" b="0"/>
+        </a:lnRef>
+        <a:fillRef idx="0">
+          <a:scrgbClr r="0" g="0" b="0"/>
+        </a:fillRef>
+        <a:effectRef idx="0">
+          <a:scrgbClr r="0" g="0" b="0"/>
+        </a:effectRef>
         <a:fontRef idx="none"/>
       </a:style>
     </a:txDef>
   </a:objectDefaults>
+  <a:extraClrSchemeLst/>
 </a:theme>
 </file>
 
 <file path=ppt/theme/theme2.xml><?xml version="1.0" encoding="utf-8"?>
-<a:theme xmlns:a="http://schemas.openxmlformats.org/drawingml/2006/main" xmlns:r="http://schemas.openxmlformats.org/officeDocument/2006/relationships" name="Office Theme">
+<a:theme xmlns:a="http://schemas.openxmlformats.org/drawingml/2006/main" name="Office Theme">
   <a:themeElements>
     <a:clrScheme name="Office Theme">
       <a:dk1>
@@ -4053,7 +4131,7 @@
         </a:effectStyle>
         <a:effectStyle>
           <a:effectLst>
-            <a:outerShdw sx="100000" sy="100000" kx="0" ky="0" algn="b" rotWithShape="0" blurRad="38100" dist="20000" dir="5400000">
+            <a:outerShdw blurRad="38100" dist="20000" dir="5400000" rotWithShape="0">
               <a:srgbClr val="000000">
                 <a:alpha val="38000"/>
               </a:srgbClr>
@@ -4129,7 +4207,7 @@
         <a:effectLst/>
         <a:sp3d/>
       </a:spPr>
-      <a:bodyPr rot="0" spcFirstLastPara="1" vertOverflow="overflow" horzOverflow="overflow" vert="horz" wrap="square" lIns="45719" tIns="45719" rIns="45719" bIns="45719" numCol="1" spcCol="38100" rtlCol="0" anchor="t" upright="0">
+      <a:bodyPr rot="0" spcFirstLastPara="1" vertOverflow="overflow" horzOverflow="overflow" vert="horz" wrap="square" lIns="45719" tIns="45719" rIns="45719" bIns="45719" numCol="1" spcCol="38100" rtlCol="0" anchor="t">
         <a:spAutoFit/>
       </a:bodyPr>
       <a:lstStyle>
@@ -4148,7 +4226,7 @@
           <a:buFontTx/>
           <a:buNone/>
           <a:tabLst/>
-          <a:defRPr b="0" baseline="0" cap="none" i="0" spc="0" strike="noStrike" sz="1800" u="none" kumimoji="0" normalizeH="0">
+          <a:defRPr kumimoji="0" sz="1800" b="0" i="0" u="none" strike="noStrike" cap="none" spc="0" normalizeH="0" baseline="0">
             <a:ln>
               <a:noFill/>
             </a:ln>
@@ -4178,7 +4256,7 @@
           <a:buFontTx/>
           <a:buNone/>
           <a:tabLst/>
-          <a:defRPr b="0" baseline="0" cap="none" i="0" spc="0" strike="noStrike" sz="1800" u="none" kumimoji="0" normalizeH="0">
+          <a:defRPr kumimoji="0" sz="1800" b="0" i="0" u="none" strike="noStrike" cap="none" spc="0" normalizeH="0" baseline="0">
             <a:ln>
               <a:noFill/>
             </a:ln>
@@ -4204,7 +4282,7 @@
           <a:buFontTx/>
           <a:buNone/>
           <a:tabLst/>
-          <a:defRPr b="0" baseline="0" cap="none" i="0" spc="0" strike="noStrike" sz="1800" u="none" kumimoji="0" normalizeH="0">
+          <a:defRPr kumimoji="0" sz="1800" b="0" i="0" u="none" strike="noStrike" cap="none" spc="0" normalizeH="0" baseline="0">
             <a:ln>
               <a:noFill/>
             </a:ln>
@@ -4230,7 +4308,7 @@
           <a:buFontTx/>
           <a:buNone/>
           <a:tabLst/>
-          <a:defRPr b="0" baseline="0" cap="none" i="0" spc="0" strike="noStrike" sz="1800" u="none" kumimoji="0" normalizeH="0">
+          <a:defRPr kumimoji="0" sz="1800" b="0" i="0" u="none" strike="noStrike" cap="none" spc="0" normalizeH="0" baseline="0">
             <a:ln>
               <a:noFill/>
             </a:ln>
@@ -4256,7 +4334,7 @@
           <a:buFontTx/>
           <a:buNone/>
           <a:tabLst/>
-          <a:defRPr b="0" baseline="0" cap="none" i="0" spc="0" strike="noStrike" sz="1800" u="none" kumimoji="0" normalizeH="0">
+          <a:defRPr kumimoji="0" sz="1800" b="0" i="0" u="none" strike="noStrike" cap="none" spc="0" normalizeH="0" baseline="0">
             <a:ln>
               <a:noFill/>
             </a:ln>
@@ -4282,7 +4360,7 @@
           <a:buFontTx/>
           <a:buNone/>
           <a:tabLst/>
-          <a:defRPr b="0" baseline="0" cap="none" i="0" spc="0" strike="noStrike" sz="1800" u="none" kumimoji="0" normalizeH="0">
+          <a:defRPr kumimoji="0" sz="1800" b="0" i="0" u="none" strike="noStrike" cap="none" spc="0" normalizeH="0" baseline="0">
             <a:ln>
               <a:noFill/>
             </a:ln>
@@ -4308,7 +4386,7 @@
           <a:buFontTx/>
           <a:buNone/>
           <a:tabLst/>
-          <a:defRPr b="0" baseline="0" cap="none" i="0" spc="0" strike="noStrike" sz="1800" u="none" kumimoji="0" normalizeH="0">
+          <a:defRPr kumimoji="0" sz="1800" b="0" i="0" u="none" strike="noStrike" cap="none" spc="0" normalizeH="0" baseline="0">
             <a:ln>
               <a:noFill/>
             </a:ln>
@@ -4334,7 +4412,7 @@
           <a:buFontTx/>
           <a:buNone/>
           <a:tabLst/>
-          <a:defRPr b="0" baseline="0" cap="none" i="0" spc="0" strike="noStrike" sz="1800" u="none" kumimoji="0" normalizeH="0">
+          <a:defRPr kumimoji="0" sz="1800" b="0" i="0" u="none" strike="noStrike" cap="none" spc="0" normalizeH="0" baseline="0">
             <a:ln>
               <a:noFill/>
             </a:ln>
@@ -4360,7 +4438,7 @@
           <a:buFontTx/>
           <a:buNone/>
           <a:tabLst/>
-          <a:defRPr b="0" baseline="0" cap="none" i="0" spc="0" strike="noStrike" sz="1800" u="none" kumimoji="0" normalizeH="0">
+          <a:defRPr kumimoji="0" sz="1800" b="0" i="0" u="none" strike="noStrike" cap="none" spc="0" normalizeH="0" baseline="0">
             <a:ln>
               <a:noFill/>
             </a:ln>
@@ -4386,7 +4464,7 @@
           <a:buFontTx/>
           <a:buNone/>
           <a:tabLst/>
-          <a:defRPr b="0" baseline="0" cap="none" i="0" spc="0" strike="noStrike" sz="1800" u="none" kumimoji="0" normalizeH="0">
+          <a:defRPr kumimoji="0" sz="1800" b="0" i="0" u="none" strike="noStrike" cap="none" spc="0" normalizeH="0" baseline="0">
             <a:ln>
               <a:noFill/>
             </a:ln>
@@ -4399,9 +4477,15 @@
         </a:lvl9pPr>
       </a:lstStyle>
       <a:style>
-        <a:lnRef idx="0"/>
-        <a:fillRef idx="0"/>
-        <a:effectRef idx="0"/>
+        <a:lnRef idx="0">
+          <a:scrgbClr r="0" g="0" b="0"/>
+        </a:lnRef>
+        <a:fillRef idx="0">
+          <a:scrgbClr r="0" g="0" b="0"/>
+        </a:fillRef>
+        <a:effectRef idx="0">
+          <a:scrgbClr r="0" g="0" b="0"/>
+        </a:effectRef>
         <a:fontRef idx="none"/>
       </a:style>
     </a:spDef>
@@ -4416,7 +4500,7 @@
           <a:round/>
         </a:ln>
         <a:effectLst>
-          <a:outerShdw sx="100000" sy="100000" kx="0" ky="0" algn="b" rotWithShape="0" blurRad="38100" dist="20000" dir="5400000">
+          <a:outerShdw blurRad="38100" dist="20000" dir="5400000" rotWithShape="0">
             <a:srgbClr val="000000">
               <a:alpha val="38000"/>
             </a:srgbClr>
@@ -4424,7 +4508,7 @@
         </a:effectLst>
         <a:sp3d/>
       </a:spPr>
-      <a:bodyPr rot="0" spcFirstLastPara="1" vertOverflow="overflow" horzOverflow="overflow" vert="horz" wrap="square" lIns="91439" tIns="45719" rIns="91439" bIns="45719" numCol="1" spcCol="38100" rtlCol="0" anchor="t" upright="0">
+      <a:bodyPr rot="0" spcFirstLastPara="1" vertOverflow="overflow" horzOverflow="overflow" vert="horz" wrap="square" lIns="91439" tIns="45719" rIns="91439" bIns="45719" numCol="1" spcCol="38100" rtlCol="0" anchor="t">
         <a:noAutofit/>
       </a:bodyPr>
       <a:lstStyle>
@@ -4443,7 +4527,7 @@
           <a:buFontTx/>
           <a:buNone/>
           <a:tabLst/>
-          <a:defRPr b="0" baseline="0" cap="none" i="0" spc="0" strike="noStrike" sz="1800" u="none" kumimoji="0" normalizeH="0">
+          <a:defRPr kumimoji="0" sz="1800" b="0" i="0" u="none" strike="noStrike" cap="none" spc="0" normalizeH="0" baseline="0">
             <a:ln>
               <a:noFill/>
             </a:ln>
@@ -4469,7 +4553,7 @@
           <a:buFontTx/>
           <a:buNone/>
           <a:tabLst/>
-          <a:defRPr b="0" baseline="0" cap="none" i="0" spc="0" strike="noStrike" sz="1800" u="none" kumimoji="0" normalizeH="0">
+          <a:defRPr kumimoji="0" sz="1800" b="0" i="0" u="none" strike="noStrike" cap="none" spc="0" normalizeH="0" baseline="0">
             <a:ln>
               <a:noFill/>
             </a:ln>
@@ -4495,7 +4579,7 @@
           <a:buFontTx/>
           <a:buNone/>
           <a:tabLst/>
-          <a:defRPr b="0" baseline="0" cap="none" i="0" spc="0" strike="noStrike" sz="1800" u="none" kumimoji="0" normalizeH="0">
+          <a:defRPr kumimoji="0" sz="1800" b="0" i="0" u="none" strike="noStrike" cap="none" spc="0" normalizeH="0" baseline="0">
             <a:ln>
               <a:noFill/>
             </a:ln>
@@ -4521,7 +4605,7 @@
           <a:buFontTx/>
           <a:buNone/>
           <a:tabLst/>
-          <a:defRPr b="0" baseline="0" cap="none" i="0" spc="0" strike="noStrike" sz="1800" u="none" kumimoji="0" normalizeH="0">
+          <a:defRPr kumimoji="0" sz="1800" b="0" i="0" u="none" strike="noStrike" cap="none" spc="0" normalizeH="0" baseline="0">
             <a:ln>
               <a:noFill/>
             </a:ln>
@@ -4547,7 +4631,7 @@
           <a:buFontTx/>
           <a:buNone/>
           <a:tabLst/>
-          <a:defRPr b="0" baseline="0" cap="none" i="0" spc="0" strike="noStrike" sz="1800" u="none" kumimoji="0" normalizeH="0">
+          <a:defRPr kumimoji="0" sz="1800" b="0" i="0" u="none" strike="noStrike" cap="none" spc="0" normalizeH="0" baseline="0">
             <a:ln>
               <a:noFill/>
             </a:ln>
@@ -4573,7 +4657,7 @@
           <a:buFontTx/>
           <a:buNone/>
           <a:tabLst/>
-          <a:defRPr b="0" baseline="0" cap="none" i="0" spc="0" strike="noStrike" sz="1800" u="none" kumimoji="0" normalizeH="0">
+          <a:defRPr kumimoji="0" sz="1800" b="0" i="0" u="none" strike="noStrike" cap="none" spc="0" normalizeH="0" baseline="0">
             <a:ln>
               <a:noFill/>
             </a:ln>
@@ -4599,7 +4683,7 @@
           <a:buFontTx/>
           <a:buNone/>
           <a:tabLst/>
-          <a:defRPr b="0" baseline="0" cap="none" i="0" spc="0" strike="noStrike" sz="1800" u="none" kumimoji="0" normalizeH="0">
+          <a:defRPr kumimoji="0" sz="1800" b="0" i="0" u="none" strike="noStrike" cap="none" spc="0" normalizeH="0" baseline="0">
             <a:ln>
               <a:noFill/>
             </a:ln>
@@ -4625,7 +4709,7 @@
           <a:buFontTx/>
           <a:buNone/>
           <a:tabLst/>
-          <a:defRPr b="0" baseline="0" cap="none" i="0" spc="0" strike="noStrike" sz="1800" u="none" kumimoji="0" normalizeH="0">
+          <a:defRPr kumimoji="0" sz="1800" b="0" i="0" u="none" strike="noStrike" cap="none" spc="0" normalizeH="0" baseline="0">
             <a:ln>
               <a:noFill/>
             </a:ln>
@@ -4651,7 +4735,7 @@
           <a:buFontTx/>
           <a:buNone/>
           <a:tabLst/>
-          <a:defRPr b="0" baseline="0" cap="none" i="0" spc="0" strike="noStrike" sz="1800" u="none" kumimoji="0" normalizeH="0">
+          <a:defRPr kumimoji="0" sz="1800" b="0" i="0" u="none" strike="noStrike" cap="none" spc="0" normalizeH="0" baseline="0">
             <a:ln>
               <a:noFill/>
             </a:ln>
@@ -4677,7 +4761,7 @@
           <a:buFontTx/>
           <a:buNone/>
           <a:tabLst/>
-          <a:defRPr b="0" baseline="0" cap="none" i="0" spc="0" strike="noStrike" sz="1800" u="none" kumimoji="0" normalizeH="0">
+          <a:defRPr kumimoji="0" sz="1800" b="0" i="0" u="none" strike="noStrike" cap="none" spc="0" normalizeH="0" baseline="0">
             <a:ln>
               <a:noFill/>
             </a:ln>
@@ -4690,9 +4774,15 @@
         </a:lvl9pPr>
       </a:lstStyle>
       <a:style>
-        <a:lnRef idx="0"/>
-        <a:fillRef idx="0"/>
-        <a:effectRef idx="0"/>
+        <a:lnRef idx="0">
+          <a:scrgbClr r="0" g="0" b="0"/>
+        </a:lnRef>
+        <a:fillRef idx="0">
+          <a:scrgbClr r="0" g="0" b="0"/>
+        </a:fillRef>
+        <a:effectRef idx="0">
+          <a:scrgbClr r="0" g="0" b="0"/>
+        </a:effectRef>
         <a:fontRef idx="none"/>
       </a:style>
     </a:lnDef>
@@ -4706,7 +4796,7 @@
         <a:effectLst/>
         <a:sp3d/>
       </a:spPr>
-      <a:bodyPr rot="0" spcFirstLastPara="1" vertOverflow="overflow" horzOverflow="overflow" vert="horz" wrap="square" lIns="45719" tIns="45719" rIns="45719" bIns="45719" numCol="1" spcCol="38100" rtlCol="0" anchor="t" upright="0">
+      <a:bodyPr rot="0" spcFirstLastPara="1" vertOverflow="overflow" horzOverflow="overflow" vert="horz" wrap="square" lIns="45719" tIns="45719" rIns="45719" bIns="45719" numCol="1" spcCol="38100" rtlCol="0" anchor="t">
         <a:spAutoFit/>
       </a:bodyPr>
       <a:lstStyle>
@@ -4725,7 +4815,7 @@
           <a:buFontTx/>
           <a:buNone/>
           <a:tabLst/>
-          <a:defRPr b="0" baseline="0" cap="none" i="0" spc="0" strike="noStrike" sz="1800" u="none" kumimoji="0" normalizeH="0">
+          <a:defRPr kumimoji="0" sz="1800" b="0" i="0" u="none" strike="noStrike" cap="none" spc="0" normalizeH="0" baseline="0">
             <a:ln>
               <a:noFill/>
             </a:ln>
@@ -4755,7 +4845,7 @@
           <a:buFontTx/>
           <a:buNone/>
           <a:tabLst/>
-          <a:defRPr b="0" baseline="0" cap="none" i="0" spc="0" strike="noStrike" sz="1800" u="none" kumimoji="0" normalizeH="0">
+          <a:defRPr kumimoji="0" sz="1800" b="0" i="0" u="none" strike="noStrike" cap="none" spc="0" normalizeH="0" baseline="0">
             <a:ln>
               <a:noFill/>
             </a:ln>
@@ -4781,7 +4871,7 @@
           <a:buFontTx/>
           <a:buNone/>
           <a:tabLst/>
-          <a:defRPr b="0" baseline="0" cap="none" i="0" spc="0" strike="noStrike" sz="1800" u="none" kumimoji="0" normalizeH="0">
+          <a:defRPr kumimoji="0" sz="1800" b="0" i="0" u="none" strike="noStrike" cap="none" spc="0" normalizeH="0" baseline="0">
             <a:ln>
               <a:noFill/>
             </a:ln>
@@ -4807,7 +4897,7 @@
           <a:buFontTx/>
           <a:buNone/>
           <a:tabLst/>
-          <a:defRPr b="0" baseline="0" cap="none" i="0" spc="0" strike="noStrike" sz="1800" u="none" kumimoji="0" normalizeH="0">
+          <a:defRPr kumimoji="0" sz="1800" b="0" i="0" u="none" strike="noStrike" cap="none" spc="0" normalizeH="0" baseline="0">
             <a:ln>
               <a:noFill/>
             </a:ln>
@@ -4833,7 +4923,7 @@
           <a:buFontTx/>
           <a:buNone/>
           <a:tabLst/>
-          <a:defRPr b="0" baseline="0" cap="none" i="0" spc="0" strike="noStrike" sz="1800" u="none" kumimoji="0" normalizeH="0">
+          <a:defRPr kumimoji="0" sz="1800" b="0" i="0" u="none" strike="noStrike" cap="none" spc="0" normalizeH="0" baseline="0">
             <a:ln>
               <a:noFill/>
             </a:ln>
@@ -4859,7 +4949,7 @@
           <a:buFontTx/>
           <a:buNone/>
           <a:tabLst/>
-          <a:defRPr b="0" baseline="0" cap="none" i="0" spc="0" strike="noStrike" sz="1800" u="none" kumimoji="0" normalizeH="0">
+          <a:defRPr kumimoji="0" sz="1800" b="0" i="0" u="none" strike="noStrike" cap="none" spc="0" normalizeH="0" baseline="0">
             <a:ln>
               <a:noFill/>
             </a:ln>
@@ -4885,7 +4975,7 @@
           <a:buFontTx/>
           <a:buNone/>
           <a:tabLst/>
-          <a:defRPr b="0" baseline="0" cap="none" i="0" spc="0" strike="noStrike" sz="1800" u="none" kumimoji="0" normalizeH="0">
+          <a:defRPr kumimoji="0" sz="1800" b="0" i="0" u="none" strike="noStrike" cap="none" spc="0" normalizeH="0" baseline="0">
             <a:ln>
               <a:noFill/>
             </a:ln>
@@ -4911,7 +5001,7 @@
           <a:buFontTx/>
           <a:buNone/>
           <a:tabLst/>
-          <a:defRPr b="0" baseline="0" cap="none" i="0" spc="0" strike="noStrike" sz="1800" u="none" kumimoji="0" normalizeH="0">
+          <a:defRPr kumimoji="0" sz="1800" b="0" i="0" u="none" strike="noStrike" cap="none" spc="0" normalizeH="0" baseline="0">
             <a:ln>
               <a:noFill/>
             </a:ln>
@@ -4937,7 +5027,7 @@
           <a:buFontTx/>
           <a:buNone/>
           <a:tabLst/>
-          <a:defRPr b="0" baseline="0" cap="none" i="0" spc="0" strike="noStrike" sz="1800" u="none" kumimoji="0" normalizeH="0">
+          <a:defRPr kumimoji="0" sz="1800" b="0" i="0" u="none" strike="noStrike" cap="none" spc="0" normalizeH="0" baseline="0">
             <a:ln>
               <a:noFill/>
             </a:ln>
@@ -4963,7 +5053,7 @@
           <a:buFontTx/>
           <a:buNone/>
           <a:tabLst/>
-          <a:defRPr b="0" baseline="0" cap="none" i="0" spc="0" strike="noStrike" sz="1800" u="none" kumimoji="0" normalizeH="0">
+          <a:defRPr kumimoji="0" sz="1800" b="0" i="0" u="none" strike="noStrike" cap="none" spc="0" normalizeH="0" baseline="0">
             <a:ln>
               <a:noFill/>
             </a:ln>
@@ -4976,12 +5066,19 @@
         </a:lvl9pPr>
       </a:lstStyle>
       <a:style>
-        <a:lnRef idx="0"/>
-        <a:fillRef idx="0"/>
-        <a:effectRef idx="0"/>
+        <a:lnRef idx="0">
+          <a:scrgbClr r="0" g="0" b="0"/>
+        </a:lnRef>
+        <a:fillRef idx="0">
+          <a:scrgbClr r="0" g="0" b="0"/>
+        </a:fillRef>
+        <a:effectRef idx="0">
+          <a:scrgbClr r="0" g="0" b="0"/>
+        </a:effectRef>
         <a:fontRef idx="none"/>
       </a:style>
     </a:txDef>
   </a:objectDefaults>
+  <a:extraClrSchemeLst/>
 </a:theme>
 </file>
--- a/Presentation.pptx
+++ b/Presentation.pptx
@@ -316,6 +316,11 @@
       </a:defRPr>
     </a:lvl9pPr>
   </p:defaultTextStyle>
+  <p:extLst>
+    <p:ext uri="{EFAFB233-063F-42B5-8137-9DF3F51BA10A}">
+      <p15:sldGuideLst xmlns:p15="http://schemas.microsoft.com/office/powerpoint/2012/main"/>
+    </p:ext>
+  </p:extLst>
 </p:presentation>
 </file>
 
@@ -645,7 +650,7 @@
           </a:ln>
           <a:extLst>
             <a:ext uri="{C572A759-6A51-4108-AA02-DFA0A04FC94B}">
-              <ma14:wrappingTextBoxFlag xmlns:ma14="http://schemas.microsoft.com/office/mac/drawingml/2011/main" xmlns:a14="http://schemas.microsoft.com/office/drawing/2010/main" xmlns:m="http://schemas.openxmlformats.org/officeDocument/2006/math" xmlns="" val="1"/>
+              <ma14:wrappingTextBoxFlag xmlns="" xmlns:m="http://schemas.openxmlformats.org/officeDocument/2006/math" xmlns:a14="http://schemas.microsoft.com/office/drawing/2010/main" xmlns:ma14="http://schemas.microsoft.com/office/mac/drawingml/2011/main" val="1"/>
             </a:ext>
           </a:extLst>
         </p:spPr>
@@ -682,7 +687,7 @@
           </a:ln>
           <a:extLst>
             <a:ext uri="{C572A759-6A51-4108-AA02-DFA0A04FC94B}">
-              <ma14:wrappingTextBoxFlag xmlns:ma14="http://schemas.microsoft.com/office/mac/drawingml/2011/main" xmlns:a14="http://schemas.microsoft.com/office/drawing/2010/main" xmlns:m="http://schemas.openxmlformats.org/officeDocument/2006/math" xmlns="" val="1"/>
+              <ma14:wrappingTextBoxFlag xmlns="" xmlns:m="http://schemas.openxmlformats.org/officeDocument/2006/math" xmlns:a14="http://schemas.microsoft.com/office/drawing/2010/main" xmlns:ma14="http://schemas.microsoft.com/office/mac/drawingml/2011/main" val="1"/>
             </a:ext>
           </a:extLst>
         </p:spPr>
@@ -1701,7 +1706,7 @@
           </a:ln>
           <a:extLst>
             <a:ext uri="{C572A759-6A51-4108-AA02-DFA0A04FC94B}">
-              <ma14:wrappingTextBoxFlag xmlns:ma14="http://schemas.microsoft.com/office/mac/drawingml/2011/main" xmlns:a14="http://schemas.microsoft.com/office/drawing/2010/main" xmlns:m="http://schemas.openxmlformats.org/officeDocument/2006/math" xmlns="" val="1"/>
+              <ma14:wrappingTextBoxFlag xmlns="" xmlns:m="http://schemas.openxmlformats.org/officeDocument/2006/math" xmlns:a14="http://schemas.microsoft.com/office/drawing/2010/main" xmlns:ma14="http://schemas.microsoft.com/office/mac/drawingml/2011/main" val="1"/>
             </a:ext>
           </a:extLst>
         </p:spPr>
@@ -1766,7 +1771,7 @@
         <p:spPr>
           <a:xfrm>
             <a:off x="281325" y="486351"/>
-            <a:ext cx="11629350" cy="6098569"/>
+            <a:ext cx="11631754" cy="5465875"/>
           </a:xfrm>
           <a:prstGeom prst="rect">
             <a:avLst/>
@@ -1779,50 +1784,95 @@
           <a:lstStyle/>
           <a:p>
             <a:r>
-              <a:rPr b="1"/>
+              <a:rPr lang="en-GB" b="1" dirty="0"/>
               <a:t>Problem Statement</a:t>
             </a:r>
-            <a:br/>
+            <a:br>
+              <a:rPr lang="en-GB" dirty="0"/>
+            </a:br>
             <a:r>
-              <a:rPr sz="2200"/>
+              <a:rPr lang="en-GB" sz="2200" dirty="0"/>
               <a:t>Prediction/Analysis of booking cancellations using Online travel booking company data</a:t>
             </a:r>
             <a:br>
-              <a:rPr sz="2200"/>
-            </a:br>
-            <a:endParaRPr sz="2200"/>
+              <a:rPr lang="en-GB" sz="2200" dirty="0"/>
+            </a:br>
+            <a:endParaRPr lang="en-GB" sz="2200" dirty="0"/>
           </a:p>
           <a:p>
             <a:pPr>
               <a:defRPr b="1"/>
             </a:pPr>
             <a:r>
+              <a:rPr lang="en-GB" dirty="0"/>
               <a:t>Dataset</a:t>
             </a:r>
-            <a:br/>
+            <a:br>
+              <a:rPr lang="en-GB" dirty="0"/>
+            </a:br>
             <a:r>
-              <a:rPr sz="2200" b="0"/>
-              <a:t>The determination of cancellation status (1 for canceled, 0 for not canceled) is shaped by a multitude of factors, encompassing customer behavior, temporal considerations, geographical location, and individual background.</a:t>
+              <a:rPr lang="en-GB" sz="2200" b="0" dirty="0"/>
+              <a:t>The determination of cancellation status (1 for </a:t>
             </a:r>
-            <a:br>
-              <a:rPr sz="2200" b="0"/>
-            </a:br>
             <a:r>
-              <a:rPr sz="2000" b="0"/>
-              <a:t>A set of dependent variables, encompassing hotel attributes, lead time, arrival date specifics, meal preferences, country, market segment, distribution channel, historical booking data, deposit type, days in the waiting list, customer type, and the average daily rate, were utilized to train the model for predicting cancellations in the dataset."</a:t>
+              <a:rPr lang="en-GB" sz="2200" b="0" dirty="0" err="1"/>
+              <a:t>canceled</a:t>
             </a:r>
-            <a:br>
-              <a:rPr sz="2200" b="0"/>
-            </a:br>
-            <a:br>
-              <a:rPr sz="2200" b="0"/>
-            </a:br>
-            <a:br/>
-            <a:br/>
-            <a:br/>
-            <a:br/>
-            <a:br/>
-            <a:endParaRPr/>
+            <a:r>
+              <a:rPr lang="en-GB" sz="2200" b="0" dirty="0"/>
+              <a:t>, 0 for not </a:t>
+            </a:r>
+            <a:r>
+              <a:rPr lang="en-GB" sz="2200" b="0" dirty="0" err="1"/>
+              <a:t>canceled</a:t>
+            </a:r>
+            <a:r>
+              <a:rPr lang="en-GB" sz="2200" b="0" dirty="0"/>
+              <a:t>) is shaped by a multitude of factors, encompassing customer </a:t>
+            </a:r>
+            <a:r>
+              <a:rPr lang="en-GB" sz="2200" b="0" dirty="0" err="1"/>
+              <a:t>behavior</a:t>
+            </a:r>
+            <a:r>
+              <a:rPr lang="en-GB" sz="2200" b="0" dirty="0"/>
+              <a:t>, temporal considerations, geographical location, and individual background.</a:t>
+            </a:r>
+          </a:p>
+          <a:p>
+            <a:pPr marL="0" indent="0">
+              <a:buNone/>
+              <a:defRPr b="1"/>
+            </a:pPr>
+            <a:br>
+              <a:rPr lang="en-GB" sz="2200" b="0" dirty="0"/>
+            </a:br>
+            <a:r>
+              <a:rPr lang="en-GB" sz="2200" b="0" dirty="0"/>
+              <a:t>    We have 31 features and about 100K records.</a:t>
+            </a:r>
+            <a:br>
+              <a:rPr lang="en-GB" sz="2200" b="0" dirty="0"/>
+            </a:br>
+            <a:br>
+              <a:rPr lang="en-GB" sz="2200" b="0" dirty="0"/>
+            </a:br>
+            <a:br>
+              <a:rPr lang="en-GB" dirty="0"/>
+            </a:br>
+            <a:br>
+              <a:rPr lang="en-GB" dirty="0"/>
+            </a:br>
+            <a:br>
+              <a:rPr lang="en-GB" dirty="0"/>
+            </a:br>
+            <a:br>
+              <a:rPr lang="en-GB" dirty="0"/>
+            </a:br>
+            <a:br>
+              <a:rPr lang="en-GB" dirty="0"/>
+            </a:br>
+            <a:endParaRPr lang="en-GB" dirty="0"/>
           </a:p>
         </p:txBody>
       </p:sp>
@@ -1846,7 +1896,7 @@
           </a:prstGeom>
           <a:extLst>
             <a:ext uri="{C572A759-6A51-4108-AA02-DFA0A04FC94B}">
-              <ma14:wrappingTextBoxFlag xmlns:ma14="http://schemas.microsoft.com/office/mac/drawingml/2011/main" xmlns:a14="http://schemas.microsoft.com/office/drawing/2010/main" xmlns:m="http://schemas.openxmlformats.org/officeDocument/2006/math" xmlns="" val="1"/>
+              <ma14:wrappingTextBoxFlag xmlns="" xmlns:m="http://schemas.openxmlformats.org/officeDocument/2006/math" xmlns:a14="http://schemas.microsoft.com/office/drawing/2010/main" xmlns:ma14="http://schemas.microsoft.com/office/mac/drawingml/2011/main" val="1"/>
             </a:ext>
           </a:extLst>
         </p:spPr>
@@ -1855,6 +1905,7 @@
           <a:lstStyle/>
           <a:p>
             <a:fld id="{86CB4B4D-7CA3-9044-876B-883B54F8677D}" type="slidenum">
+              <a:rPr/>
               <a:t>2</a:t>
             </a:fld>
             <a:endParaRPr/>
@@ -1863,29 +1914,38 @@
       </p:sp>
       <p:pic>
         <p:nvPicPr>
-          <p:cNvPr id="26" name="Screenshot 2023-11-29 at 14.50.14.png" descr="Screenshot 2023-11-29 at 14.50.14.png"/>
+          <p:cNvPr id="3" name="Picture 2" descr="A screenshot of a data&#10;&#10;Description automatically generated">
+            <a:extLst>
+              <a:ext uri="{FF2B5EF4-FFF2-40B4-BE49-F238E27FC236}">
+                <a16:creationId xmlns:a16="http://schemas.microsoft.com/office/drawing/2014/main" id="{CBA8FDBA-6508-5CC8-9564-72711A8704C9}"/>
+              </a:ext>
+            </a:extLst>
+          </p:cNvPr>
           <p:cNvPicPr>
             <a:picLocks noChangeAspect="1"/>
           </p:cNvPicPr>
           <p:nvPr/>
         </p:nvPicPr>
         <p:blipFill>
-          <a:blip r:embed="rId2"/>
+          <a:blip r:embed="rId2">
+            <a:extLst>
+              <a:ext uri="{28A0092B-C50C-407E-A947-70E740481C1C}">
+                <a14:useLocalDpi xmlns:a14="http://schemas.microsoft.com/office/drawing/2010/main" val="0"/>
+              </a:ext>
+            </a:extLst>
+          </a:blip>
           <a:stretch>
             <a:fillRect/>
           </a:stretch>
         </p:blipFill>
         <p:spPr>
           <a:xfrm>
-            <a:off x="5931783" y="797784"/>
-            <a:ext cx="5864493" cy="5049161"/>
+            <a:off x="5880339" y="586596"/>
+            <a:ext cx="5923471" cy="4508461"/>
           </a:xfrm>
           <a:prstGeom prst="rect">
             <a:avLst/>
           </a:prstGeom>
-          <a:ln w="12700">
-            <a:miter lim="400000"/>
-          </a:ln>
         </p:spPr>
       </p:pic>
     </p:spTree>
@@ -1969,7 +2029,7 @@
           </a:prstGeom>
           <a:extLst>
             <a:ext uri="{C572A759-6A51-4108-AA02-DFA0A04FC94B}">
-              <ma14:wrappingTextBoxFlag xmlns:ma14="http://schemas.microsoft.com/office/mac/drawingml/2011/main" xmlns:a14="http://schemas.microsoft.com/office/drawing/2010/main" xmlns:m="http://schemas.openxmlformats.org/officeDocument/2006/math" xmlns="" val="1"/>
+              <ma14:wrappingTextBoxFlag xmlns="" xmlns:m="http://schemas.openxmlformats.org/officeDocument/2006/math" xmlns:a14="http://schemas.microsoft.com/office/drawing/2010/main" xmlns:ma14="http://schemas.microsoft.com/office/mac/drawingml/2011/main" val="1"/>
             </a:ext>
           </a:extLst>
         </p:spPr>
@@ -2184,7 +2244,7 @@
           </a:prstGeom>
           <a:extLst>
             <a:ext uri="{C572A759-6A51-4108-AA02-DFA0A04FC94B}">
-              <ma14:wrappingTextBoxFlag xmlns:ma14="http://schemas.microsoft.com/office/mac/drawingml/2011/main" xmlns:a14="http://schemas.microsoft.com/office/drawing/2010/main" xmlns:m="http://schemas.openxmlformats.org/officeDocument/2006/math" xmlns="" val="1"/>
+              <ma14:wrappingTextBoxFlag xmlns="" xmlns:m="http://schemas.openxmlformats.org/officeDocument/2006/math" xmlns:a14="http://schemas.microsoft.com/office/drawing/2010/main" xmlns:ma14="http://schemas.microsoft.com/office/mac/drawingml/2011/main" val="1"/>
             </a:ext>
           </a:extLst>
         </p:spPr>
@@ -2332,7 +2392,7 @@
           </a:prstGeom>
           <a:extLst>
             <a:ext uri="{C572A759-6A51-4108-AA02-DFA0A04FC94B}">
-              <ma14:wrappingTextBoxFlag xmlns:ma14="http://schemas.microsoft.com/office/mac/drawingml/2011/main" xmlns:a14="http://schemas.microsoft.com/office/drawing/2010/main" xmlns:m="http://schemas.openxmlformats.org/officeDocument/2006/math" xmlns="" val="1"/>
+              <ma14:wrappingTextBoxFlag xmlns="" xmlns:m="http://schemas.openxmlformats.org/officeDocument/2006/math" xmlns:a14="http://schemas.microsoft.com/office/drawing/2010/main" xmlns:ma14="http://schemas.microsoft.com/office/mac/drawingml/2011/main" val="1"/>
             </a:ext>
           </a:extLst>
         </p:spPr>
@@ -2341,6 +2401,7 @@
           <a:lstStyle/>
           <a:p>
             <a:fld id="{86CB4B4D-7CA3-9044-876B-883B54F8677D}" type="slidenum">
+              <a:rPr/>
               <a:t>5</a:t>
             </a:fld>
             <a:endParaRPr/>
@@ -2667,7 +2728,7 @@
           </a:prstGeom>
           <a:extLst>
             <a:ext uri="{C572A759-6A51-4108-AA02-DFA0A04FC94B}">
-              <ma14:wrappingTextBoxFlag xmlns:ma14="http://schemas.microsoft.com/office/mac/drawingml/2011/main" xmlns:a14="http://schemas.microsoft.com/office/drawing/2010/main" xmlns:m="http://schemas.openxmlformats.org/officeDocument/2006/math" xmlns="" val="1"/>
+              <ma14:wrappingTextBoxFlag xmlns="" xmlns:m="http://schemas.openxmlformats.org/officeDocument/2006/math" xmlns:a14="http://schemas.microsoft.com/office/drawing/2010/main" xmlns:ma14="http://schemas.microsoft.com/office/mac/drawingml/2011/main" val="1"/>
             </a:ext>
           </a:extLst>
         </p:spPr>
@@ -2676,6 +2737,7 @@
           <a:lstStyle/>
           <a:p>
             <a:fld id="{86CB4B4D-7CA3-9044-876B-883B54F8677D}" type="slidenum">
+              <a:rPr/>
               <a:t>6</a:t>
             </a:fld>
             <a:endParaRPr/>
@@ -2862,7 +2924,7 @@
           </a:prstGeom>
           <a:extLst>
             <a:ext uri="{C572A759-6A51-4108-AA02-DFA0A04FC94B}">
-              <ma14:wrappingTextBoxFlag xmlns:ma14="http://schemas.microsoft.com/office/mac/drawingml/2011/main" xmlns:a14="http://schemas.microsoft.com/office/drawing/2010/main" xmlns:m="http://schemas.openxmlformats.org/officeDocument/2006/math" xmlns="" val="1"/>
+              <ma14:wrappingTextBoxFlag xmlns="" xmlns:m="http://schemas.openxmlformats.org/officeDocument/2006/math" xmlns:a14="http://schemas.microsoft.com/office/drawing/2010/main" xmlns:ma14="http://schemas.microsoft.com/office/mac/drawingml/2011/main" val="1"/>
             </a:ext>
           </a:extLst>
         </p:spPr>
@@ -2871,6 +2933,7 @@
           <a:lstStyle/>
           <a:p>
             <a:fld id="{86CB4B4D-7CA3-9044-876B-883B54F8677D}" type="slidenum">
+              <a:rPr/>
               <a:t>7</a:t>
             </a:fld>
             <a:endParaRPr/>

--- a/Presentation.pptx
+++ b/Presentation.pptx
@@ -2253,6 +2253,7 @@
           <a:lstStyle/>
           <a:p>
             <a:fld id="{86CB4B4D-7CA3-9044-876B-883B54F8677D}" type="slidenum">
+              <a:rPr/>
               <a:t>4</a:t>
             </a:fld>
             <a:endParaRPr/>
@@ -2783,6 +2784,14 @@
 <file path=ppt/slides/slide7.xml><?xml version="1.0" encoding="utf-8"?>
 <p:sld xmlns:a="http://schemas.openxmlformats.org/drawingml/2006/main" xmlns:r="http://schemas.openxmlformats.org/officeDocument/2006/relationships" xmlns:p="http://schemas.openxmlformats.org/presentationml/2006/main">
   <p:cSld>
+    <p:bg>
+      <p:bgPr>
+        <a:solidFill>
+          <a:schemeClr val="bg1"/>
+        </a:solidFill>
+        <a:effectLst/>
+      </p:bgPr>
+    </p:bg>
     <p:spTree>
       <p:nvGrpSpPr>
         <p:cNvPr id="1" name=""/>
@@ -2797,6 +2806,409 @@
           <a:chExt cx="0" cy="0"/>
         </a:xfrm>
       </p:grpSpPr>
+      <p:sp useBgFill="1">
+        <p:nvSpPr>
+          <p:cNvPr id="59" name="Rectangle 58">
+            <a:extLst>
+              <a:ext uri="{FF2B5EF4-FFF2-40B4-BE49-F238E27FC236}">
+                <a16:creationId xmlns:a16="http://schemas.microsoft.com/office/drawing/2014/main" id="{352BEC0E-22F8-46D0-9632-375DB541B06C}"/>
+              </a:ext>
+              <a:ext uri="{C183D7F6-B498-43B3-948B-1728B52AA6E4}">
+                <adec:decorative xmlns:adec="http://schemas.microsoft.com/office/drawing/2017/decorative" val="1"/>
+              </a:ext>
+            </a:extLst>
+          </p:cNvPr>
+          <p:cNvSpPr>
+            <a:spLocks noGrp="1" noRot="1" noChangeAspect="1" noMove="1" noResize="1" noEditPoints="1" noAdjustHandles="1" noChangeArrowheads="1" noChangeShapeType="1" noTextEdit="1"/>
+          </p:cNvSpPr>
+          <p:nvPr>
+            <p:extLst>
+              <p:ext uri="{386F3935-93C4-4BCD-93E2-E3B085C9AB24}">
+                <p16:designElem xmlns:p16="http://schemas.microsoft.com/office/powerpoint/2015/main" val="1"/>
+              </p:ext>
+            </p:extLst>
+          </p:nvPr>
+        </p:nvSpPr>
+        <p:spPr>
+          <a:xfrm>
+            <a:off x="0" y="0"/>
+            <a:ext cx="12188952" cy="6858000"/>
+          </a:xfrm>
+          <a:prstGeom prst="rect">
+            <a:avLst/>
+          </a:prstGeom>
+          <a:ln>
+            <a:noFill/>
+          </a:ln>
+        </p:spPr>
+        <p:style>
+          <a:lnRef idx="2">
+            <a:schemeClr val="accent1">
+              <a:shade val="50000"/>
+            </a:schemeClr>
+          </a:lnRef>
+          <a:fillRef idx="1">
+            <a:schemeClr val="accent1"/>
+          </a:fillRef>
+          <a:effectRef idx="0">
+            <a:schemeClr val="accent1"/>
+          </a:effectRef>
+          <a:fontRef idx="minor">
+            <a:schemeClr val="lt1"/>
+          </a:fontRef>
+        </p:style>
+        <p:txBody>
+          <a:bodyPr rtlCol="0" anchor="ctr"/>
+          <a:lstStyle/>
+          <a:p>
+            <a:pPr algn="ctr"/>
+            <a:endParaRPr lang="en-US"/>
+          </a:p>
+        </p:txBody>
+      </p:sp>
+      <p:sp>
+        <p:nvSpPr>
+          <p:cNvPr id="61" name="sketch line">
+            <a:extLst>
+              <a:ext uri="{FF2B5EF4-FFF2-40B4-BE49-F238E27FC236}">
+                <a16:creationId xmlns:a16="http://schemas.microsoft.com/office/drawing/2014/main" id="{3FCFB1DE-0B7E-48CC-BA90-B2AB0889F9D6}"/>
+              </a:ext>
+              <a:ext uri="{C183D7F6-B498-43B3-948B-1728B52AA6E4}">
+                <adec:decorative xmlns:adec="http://schemas.microsoft.com/office/drawing/2017/decorative" val="1"/>
+              </a:ext>
+            </a:extLst>
+          </p:cNvPr>
+          <p:cNvSpPr>
+            <a:spLocks noGrp="1" noRot="1" noChangeAspect="1" noMove="1" noResize="1" noEditPoints="1" noAdjustHandles="1" noChangeArrowheads="1" noChangeShapeType="1" noTextEdit="1"/>
+          </p:cNvSpPr>
+          <p:nvPr>
+            <p:extLst>
+              <p:ext uri="{386F3935-93C4-4BCD-93E2-E3B085C9AB24}">
+                <p16:designElem xmlns:p16="http://schemas.microsoft.com/office/powerpoint/2015/main" val="1"/>
+              </p:ext>
+            </p:extLst>
+          </p:nvPr>
+        </p:nvSpPr>
+        <p:spPr>
+          <a:xfrm>
+            <a:off x="758952" y="2395728"/>
+            <a:ext cx="4243589" cy="18288"/>
+          </a:xfrm>
+          <a:custGeom>
+            <a:avLst/>
+            <a:gdLst>
+              <a:gd name="connsiteX0" fmla="*/ 0 w 4243589"/>
+              <a:gd name="connsiteY0" fmla="*/ 0 h 18288"/>
+              <a:gd name="connsiteX1" fmla="*/ 478919 w 4243589"/>
+              <a:gd name="connsiteY1" fmla="*/ 0 h 18288"/>
+              <a:gd name="connsiteX2" fmla="*/ 957839 w 4243589"/>
+              <a:gd name="connsiteY2" fmla="*/ 0 h 18288"/>
+              <a:gd name="connsiteX3" fmla="*/ 1521630 w 4243589"/>
+              <a:gd name="connsiteY3" fmla="*/ 0 h 18288"/>
+              <a:gd name="connsiteX4" fmla="*/ 2212729 w 4243589"/>
+              <a:gd name="connsiteY4" fmla="*/ 0 h 18288"/>
+              <a:gd name="connsiteX5" fmla="*/ 2734084 w 4243589"/>
+              <a:gd name="connsiteY5" fmla="*/ 0 h 18288"/>
+              <a:gd name="connsiteX6" fmla="*/ 3255439 w 4243589"/>
+              <a:gd name="connsiteY6" fmla="*/ 0 h 18288"/>
+              <a:gd name="connsiteX7" fmla="*/ 4243589 w 4243589"/>
+              <a:gd name="connsiteY7" fmla="*/ 0 h 18288"/>
+              <a:gd name="connsiteX8" fmla="*/ 4243589 w 4243589"/>
+              <a:gd name="connsiteY8" fmla="*/ 18288 h 18288"/>
+              <a:gd name="connsiteX9" fmla="*/ 3594926 w 4243589"/>
+              <a:gd name="connsiteY9" fmla="*/ 18288 h 18288"/>
+              <a:gd name="connsiteX10" fmla="*/ 3073571 w 4243589"/>
+              <a:gd name="connsiteY10" fmla="*/ 18288 h 18288"/>
+              <a:gd name="connsiteX11" fmla="*/ 2552216 w 4243589"/>
+              <a:gd name="connsiteY11" fmla="*/ 18288 h 18288"/>
+              <a:gd name="connsiteX12" fmla="*/ 1903553 w 4243589"/>
+              <a:gd name="connsiteY12" fmla="*/ 18288 h 18288"/>
+              <a:gd name="connsiteX13" fmla="*/ 1212454 w 4243589"/>
+              <a:gd name="connsiteY13" fmla="*/ 18288 h 18288"/>
+              <a:gd name="connsiteX14" fmla="*/ 733535 w 4243589"/>
+              <a:gd name="connsiteY14" fmla="*/ 18288 h 18288"/>
+              <a:gd name="connsiteX15" fmla="*/ 0 w 4243589"/>
+              <a:gd name="connsiteY15" fmla="*/ 18288 h 18288"/>
+              <a:gd name="connsiteX16" fmla="*/ 0 w 4243589"/>
+              <a:gd name="connsiteY16" fmla="*/ 0 h 18288"/>
+            </a:gdLst>
+            <a:ahLst/>
+            <a:cxnLst>
+              <a:cxn ang="0">
+                <a:pos x="connsiteX0" y="connsiteY0"/>
+              </a:cxn>
+              <a:cxn ang="0">
+                <a:pos x="connsiteX1" y="connsiteY1"/>
+              </a:cxn>
+              <a:cxn ang="0">
+                <a:pos x="connsiteX2" y="connsiteY2"/>
+              </a:cxn>
+              <a:cxn ang="0">
+                <a:pos x="connsiteX3" y="connsiteY3"/>
+              </a:cxn>
+              <a:cxn ang="0">
+                <a:pos x="connsiteX4" y="connsiteY4"/>
+              </a:cxn>
+              <a:cxn ang="0">
+                <a:pos x="connsiteX5" y="connsiteY5"/>
+              </a:cxn>
+              <a:cxn ang="0">
+                <a:pos x="connsiteX6" y="connsiteY6"/>
+              </a:cxn>
+              <a:cxn ang="0">
+                <a:pos x="connsiteX7" y="connsiteY7"/>
+              </a:cxn>
+              <a:cxn ang="0">
+                <a:pos x="connsiteX8" y="connsiteY8"/>
+              </a:cxn>
+              <a:cxn ang="0">
+                <a:pos x="connsiteX9" y="connsiteY9"/>
+              </a:cxn>
+              <a:cxn ang="0">
+                <a:pos x="connsiteX10" y="connsiteY10"/>
+              </a:cxn>
+              <a:cxn ang="0">
+                <a:pos x="connsiteX11" y="connsiteY11"/>
+              </a:cxn>
+              <a:cxn ang="0">
+                <a:pos x="connsiteX12" y="connsiteY12"/>
+              </a:cxn>
+              <a:cxn ang="0">
+                <a:pos x="connsiteX13" y="connsiteY13"/>
+              </a:cxn>
+              <a:cxn ang="0">
+                <a:pos x="connsiteX14" y="connsiteY14"/>
+              </a:cxn>
+              <a:cxn ang="0">
+                <a:pos x="connsiteX15" y="connsiteY15"/>
+              </a:cxn>
+              <a:cxn ang="0">
+                <a:pos x="connsiteX16" y="connsiteY16"/>
+              </a:cxn>
+            </a:cxnLst>
+            <a:rect l="l" t="t" r="r" b="b"/>
+            <a:pathLst>
+              <a:path w="4243589" h="18288" fill="none" extrusionOk="0">
+                <a:moveTo>
+                  <a:pt x="0" y="0"/>
+                </a:moveTo>
+                <a:cubicBezTo>
+                  <a:pt x="213395" y="-21006"/>
+                  <a:pt x="307421" y="-18116"/>
+                  <a:pt x="478919" y="0"/>
+                </a:cubicBezTo>
+                <a:cubicBezTo>
+                  <a:pt x="650417" y="18116"/>
+                  <a:pt x="831092" y="-21237"/>
+                  <a:pt x="957839" y="0"/>
+                </a:cubicBezTo>
+                <a:cubicBezTo>
+                  <a:pt x="1084586" y="21237"/>
+                  <a:pt x="1301682" y="25124"/>
+                  <a:pt x="1521630" y="0"/>
+                </a:cubicBezTo>
+                <a:cubicBezTo>
+                  <a:pt x="1741578" y="-25124"/>
+                  <a:pt x="1970269" y="-29139"/>
+                  <a:pt x="2212729" y="0"/>
+                </a:cubicBezTo>
+                <a:cubicBezTo>
+                  <a:pt x="2455189" y="29139"/>
+                  <a:pt x="2558847" y="-4796"/>
+                  <a:pt x="2734084" y="0"/>
+                </a:cubicBezTo>
+                <a:cubicBezTo>
+                  <a:pt x="2909321" y="4796"/>
+                  <a:pt x="3097217" y="-13409"/>
+                  <a:pt x="3255439" y="0"/>
+                </a:cubicBezTo>
+                <a:cubicBezTo>
+                  <a:pt x="3413662" y="13409"/>
+                  <a:pt x="3979999" y="-10121"/>
+                  <a:pt x="4243589" y="0"/>
+                </a:cubicBezTo>
+                <a:cubicBezTo>
+                  <a:pt x="4244484" y="8974"/>
+                  <a:pt x="4243043" y="9359"/>
+                  <a:pt x="4243589" y="18288"/>
+                </a:cubicBezTo>
+                <a:cubicBezTo>
+                  <a:pt x="4058777" y="31246"/>
+                  <a:pt x="3910348" y="3158"/>
+                  <a:pt x="3594926" y="18288"/>
+                </a:cubicBezTo>
+                <a:cubicBezTo>
+                  <a:pt x="3279504" y="33418"/>
+                  <a:pt x="3319955" y="-3977"/>
+                  <a:pt x="3073571" y="18288"/>
+                </a:cubicBezTo>
+                <a:cubicBezTo>
+                  <a:pt x="2827187" y="40553"/>
+                  <a:pt x="2767387" y="1863"/>
+                  <a:pt x="2552216" y="18288"/>
+                </a:cubicBezTo>
+                <a:cubicBezTo>
+                  <a:pt x="2337046" y="34713"/>
+                  <a:pt x="2181871" y="19527"/>
+                  <a:pt x="1903553" y="18288"/>
+                </a:cubicBezTo>
+                <a:cubicBezTo>
+                  <a:pt x="1625235" y="17049"/>
+                  <a:pt x="1557672" y="24174"/>
+                  <a:pt x="1212454" y="18288"/>
+                </a:cubicBezTo>
+                <a:cubicBezTo>
+                  <a:pt x="867236" y="12402"/>
+                  <a:pt x="874382" y="15627"/>
+                  <a:pt x="733535" y="18288"/>
+                </a:cubicBezTo>
+                <a:cubicBezTo>
+                  <a:pt x="592688" y="20949"/>
+                  <a:pt x="183477" y="14753"/>
+                  <a:pt x="0" y="18288"/>
+                </a:cubicBezTo>
+                <a:cubicBezTo>
+                  <a:pt x="-229" y="14222"/>
+                  <a:pt x="509" y="5816"/>
+                  <a:pt x="0" y="0"/>
+                </a:cubicBezTo>
+                <a:close/>
+              </a:path>
+              <a:path w="4243589" h="18288" stroke="0" extrusionOk="0">
+                <a:moveTo>
+                  <a:pt x="0" y="0"/>
+                </a:moveTo>
+                <a:cubicBezTo>
+                  <a:pt x="143690" y="16630"/>
+                  <a:pt x="266667" y="14847"/>
+                  <a:pt x="521355" y="0"/>
+                </a:cubicBezTo>
+                <a:cubicBezTo>
+                  <a:pt x="776043" y="-14847"/>
+                  <a:pt x="814491" y="-17363"/>
+                  <a:pt x="1000275" y="0"/>
+                </a:cubicBezTo>
+                <a:cubicBezTo>
+                  <a:pt x="1186059" y="17363"/>
+                  <a:pt x="1352504" y="-23507"/>
+                  <a:pt x="1521630" y="0"/>
+                </a:cubicBezTo>
+                <a:cubicBezTo>
+                  <a:pt x="1690756" y="23507"/>
+                  <a:pt x="1889525" y="5871"/>
+                  <a:pt x="2127857" y="0"/>
+                </a:cubicBezTo>
+                <a:cubicBezTo>
+                  <a:pt x="2366189" y="-5871"/>
+                  <a:pt x="2620628" y="-27997"/>
+                  <a:pt x="2776520" y="0"/>
+                </a:cubicBezTo>
+                <a:cubicBezTo>
+                  <a:pt x="2932412" y="27997"/>
+                  <a:pt x="3131683" y="-25073"/>
+                  <a:pt x="3467618" y="0"/>
+                </a:cubicBezTo>
+                <a:cubicBezTo>
+                  <a:pt x="3803553" y="25073"/>
+                  <a:pt x="4017371" y="3071"/>
+                  <a:pt x="4243589" y="0"/>
+                </a:cubicBezTo>
+                <a:cubicBezTo>
+                  <a:pt x="4243134" y="6162"/>
+                  <a:pt x="4243492" y="11775"/>
+                  <a:pt x="4243589" y="18288"/>
+                </a:cubicBezTo>
+                <a:cubicBezTo>
+                  <a:pt x="4017834" y="-5779"/>
+                  <a:pt x="3834586" y="13376"/>
+                  <a:pt x="3594926" y="18288"/>
+                </a:cubicBezTo>
+                <a:cubicBezTo>
+                  <a:pt x="3355266" y="23200"/>
+                  <a:pt x="3204179" y="2869"/>
+                  <a:pt x="2903827" y="18288"/>
+                </a:cubicBezTo>
+                <a:cubicBezTo>
+                  <a:pt x="2603475" y="33707"/>
+                  <a:pt x="2526187" y="46187"/>
+                  <a:pt x="2212729" y="18288"/>
+                </a:cubicBezTo>
+                <a:cubicBezTo>
+                  <a:pt x="1899271" y="-9611"/>
+                  <a:pt x="1966289" y="29692"/>
+                  <a:pt x="1733809" y="18288"/>
+                </a:cubicBezTo>
+                <a:cubicBezTo>
+                  <a:pt x="1501329" y="6884"/>
+                  <a:pt x="1343612" y="12492"/>
+                  <a:pt x="1085146" y="18288"/>
+                </a:cubicBezTo>
+                <a:cubicBezTo>
+                  <a:pt x="826680" y="24084"/>
+                  <a:pt x="778184" y="35607"/>
+                  <a:pt x="521355" y="18288"/>
+                </a:cubicBezTo>
+                <a:cubicBezTo>
+                  <a:pt x="264526" y="969"/>
+                  <a:pt x="120277" y="4268"/>
+                  <a:pt x="0" y="18288"/>
+                </a:cubicBezTo>
+                <a:cubicBezTo>
+                  <a:pt x="766" y="10800"/>
+                  <a:pt x="-457" y="8180"/>
+                  <a:pt x="0" y="0"/>
+                </a:cubicBezTo>
+                <a:close/>
+              </a:path>
+            </a:pathLst>
+          </a:custGeom>
+          <a:solidFill>
+            <a:schemeClr val="accent2"/>
+          </a:solidFill>
+          <a:ln w="41275" cap="rnd">
+            <a:solidFill>
+              <a:schemeClr val="accent2"/>
+            </a:solidFill>
+            <a:round/>
+            <a:extLst>
+              <a:ext uri="{C807C97D-BFC1-408E-A445-0C87EB9F89A2}">
+                <ask:lineSketchStyleProps xmlns:ask="http://schemas.microsoft.com/office/drawing/2018/sketchyshapes" sd="2727557108">
+                  <a:prstGeom prst="rect">
+                    <a:avLst/>
+                  </a:prstGeom>
+                  <ask:type>
+                    <ask:lineSketchFreehand/>
+                  </ask:type>
+                </ask:lineSketchStyleProps>
+              </a:ext>
+            </a:extLst>
+          </a:ln>
+        </p:spPr>
+        <p:style>
+          <a:lnRef idx="2">
+            <a:schemeClr val="accent1">
+              <a:shade val="50000"/>
+            </a:schemeClr>
+          </a:lnRef>
+          <a:fillRef idx="1">
+            <a:schemeClr val="accent1"/>
+          </a:fillRef>
+          <a:effectRef idx="0">
+            <a:schemeClr val="accent1"/>
+          </a:effectRef>
+          <a:fontRef idx="minor">
+            <a:schemeClr val="lt1"/>
+          </a:fontRef>
+        </p:style>
+        <p:txBody>
+          <a:bodyPr rtlCol="0" anchor="ctr"/>
+          <a:lstStyle/>
+          <a:p>
+            <a:pPr algn="ctr"/>
+            <a:endParaRPr lang="en-US"/>
+          </a:p>
+        </p:txBody>
+      </p:sp>
       <p:sp>
         <p:nvSpPr>
           <p:cNvPr id="45" name="Analytical &amp; Inference results  Confusion matrix:               Since the confusion matrix has FN (False Negatives) = 0 and FP (False Positives) = 0, it indicates that the model has made no errors in classifying the positive and negative instances. The p"/>
@@ -2809,134 +3221,222 @@
         </p:nvSpPr>
         <p:spPr>
           <a:xfrm>
-            <a:off x="314510" y="386021"/>
-            <a:ext cx="11562980" cy="6085958"/>
+            <a:off x="640080" y="2706624"/>
+            <a:ext cx="6894576" cy="3483864"/>
           </a:xfrm>
           <a:prstGeom prst="rect">
             <a:avLst/>
           </a:prstGeom>
         </p:spPr>
         <p:txBody>
-          <a:bodyPr numCol="2" spcCol="578148">
+          <a:bodyPr vert="horz" lIns="91440" tIns="45720" rIns="91440" bIns="45720" numCol="2" spcCol="578148" rtlCol="0">
             <a:normAutofit/>
           </a:bodyPr>
           <a:lstStyle/>
           <a:p>
-            <a:pPr marL="244928" indent="-244928"/>
+            <a:pPr marL="244928">
+              <a:buFont typeface="Arial" panose="020B0604020202020204" pitchFamily="34" charset="0"/>
+              <a:buChar char="•"/>
+            </a:pPr>
             <a:r>
-              <a:rPr sz="3000"/>
+              <a:rPr lang="en-US" sz="2200" kern="1200">
+                <a:solidFill>
+                  <a:schemeClr val="tx1"/>
+                </a:solidFill>
+                <a:latin typeface="+mn-lt"/>
+                <a:ea typeface="+mn-ea"/>
+                <a:cs typeface="+mn-cs"/>
+              </a:rPr>
               <a:t>Analytical &amp; Inference results</a:t>
             </a:r>
             <a:br>
-              <a:rPr sz="3000"/>
-            </a:br>
-            <a:br>
-              <a:rPr sz="3000"/>
-            </a:br>
-            <a:r>
-              <a:rPr sz="3000" u="sng"/>
-              <a:t>Confusion matrix:</a:t>
-            </a:r>
-            <a:br>
-              <a:rPr sz="3000" u="sng"/>
-            </a:br>
-            <a:br>
-              <a:rPr sz="3000" u="sng"/>
-            </a:br>
-            <a:br>
-              <a:rPr sz="3000" u="sng"/>
-            </a:br>
-            <a:br>
-              <a:rPr sz="3000" u="sng"/>
-            </a:br>
-            <a:br>
-              <a:rPr sz="3000" u="sng"/>
-            </a:br>
-            <a:br>
-              <a:rPr sz="3000" u="sng"/>
-            </a:br>
-            <a:br>
-              <a:rPr sz="3000" u="sng"/>
-            </a:br>
-            <a:br>
-              <a:rPr sz="3000" u="sng"/>
-            </a:br>
-            <a:br>
-              <a:rPr sz="3000" u="sng"/>
-            </a:br>
-            <a:br>
-              <a:rPr sz="3000" u="sng"/>
-            </a:br>
-            <a:br>
-              <a:rPr sz="3000" u="sng"/>
-            </a:br>
-            <a:br>
-              <a:rPr sz="3000" u="sng"/>
-            </a:br>
-            <a:br>
-              <a:rPr sz="3000" u="sng"/>
-            </a:br>
-            <a:br>
-              <a:rPr sz="3000" u="sng"/>
-            </a:br>
-            <a:br>
-              <a:rPr sz="3000" u="sng"/>
-            </a:br>
-            <a:r>
-              <a:rPr sz="2600"/>
-              <a:t>Since</a:t>
-            </a:r>
-            <a:r>
-              <a:rPr sz="3000"/>
-              <a:t> </a:t>
-            </a:r>
-            <a:r>
-              <a:rPr sz="2600"/>
-              <a:t>the confusion matrix has FN (False Negatives) = 0 and FP (False Positives) = 0, it indicates that the model has made no errors in classifying the positive and negative instances. The prediction accuracy is indeed 100 percent.</a:t>
-            </a:r>
-            <a:br>
-              <a:rPr sz="3000"/>
-            </a:br>
-            <a:br>
-              <a:rPr sz="3000"/>
-            </a:br>
-            <a:endParaRPr sz="3000"/>
-          </a:p>
-        </p:txBody>
-      </p:sp>
-      <p:sp>
-        <p:nvSpPr>
-          <p:cNvPr id="46" name="Slide Number"/>
-          <p:cNvSpPr txBox="1">
-            <a:spLocks noGrp="1"/>
-          </p:cNvSpPr>
-          <p:nvPr>
-            <p:ph type="sldNum" sz="quarter" idx="2"/>
-          </p:nvPr>
-        </p:nvSpPr>
-        <p:spPr>
-          <a:xfrm>
-            <a:off x="11172418" y="6414760"/>
-            <a:ext cx="181383" cy="248305"/>
-          </a:xfrm>
-          <a:prstGeom prst="rect">
-            <a:avLst/>
-          </a:prstGeom>
-          <a:extLst>
-            <a:ext uri="{C572A759-6A51-4108-AA02-DFA0A04FC94B}">
-              <ma14:wrappingTextBoxFlag xmlns="" xmlns:m="http://schemas.openxmlformats.org/officeDocument/2006/math" xmlns:a14="http://schemas.microsoft.com/office/drawing/2010/main" xmlns:ma14="http://schemas.microsoft.com/office/mac/drawingml/2011/main" val="1"/>
-            </a:ext>
-          </a:extLst>
-        </p:spPr>
-        <p:txBody>
-          <a:bodyPr/>
-          <a:lstStyle/>
-          <a:p>
-            <a:fld id="{86CB4B4D-7CA3-9044-876B-883B54F8677D}" type="slidenum">
-              <a:rPr/>
-              <a:t>7</a:t>
-            </a:fld>
-            <a:endParaRPr/>
+              <a:rPr lang="en-US" sz="2200" kern="1200">
+                <a:solidFill>
+                  <a:schemeClr val="tx1"/>
+                </a:solidFill>
+                <a:latin typeface="+mn-lt"/>
+                <a:ea typeface="+mn-ea"/>
+                <a:cs typeface="+mn-cs"/>
+              </a:rPr>
+            </a:br>
+            <a:br>
+              <a:rPr lang="en-US" sz="2200" kern="1200">
+                <a:solidFill>
+                  <a:schemeClr val="tx1"/>
+                </a:solidFill>
+                <a:latin typeface="+mn-lt"/>
+                <a:ea typeface="+mn-ea"/>
+                <a:cs typeface="+mn-cs"/>
+              </a:rPr>
+            </a:br>
+            <a:br>
+              <a:rPr lang="en-US" sz="2200" u="sng" kern="1200">
+                <a:solidFill>
+                  <a:schemeClr val="tx1"/>
+                </a:solidFill>
+                <a:latin typeface="+mn-lt"/>
+                <a:ea typeface="+mn-ea"/>
+                <a:cs typeface="+mn-cs"/>
+              </a:rPr>
+            </a:br>
+            <a:br>
+              <a:rPr lang="en-US" sz="2200" u="sng" kern="1200">
+                <a:solidFill>
+                  <a:schemeClr val="tx1"/>
+                </a:solidFill>
+                <a:latin typeface="+mn-lt"/>
+                <a:ea typeface="+mn-ea"/>
+                <a:cs typeface="+mn-cs"/>
+              </a:rPr>
+            </a:br>
+            <a:br>
+              <a:rPr lang="en-US" sz="2200" u="sng" kern="1200">
+                <a:solidFill>
+                  <a:schemeClr val="tx1"/>
+                </a:solidFill>
+                <a:latin typeface="+mn-lt"/>
+                <a:ea typeface="+mn-ea"/>
+                <a:cs typeface="+mn-cs"/>
+              </a:rPr>
+            </a:br>
+            <a:br>
+              <a:rPr lang="en-US" sz="2200" u="sng" kern="1200">
+                <a:solidFill>
+                  <a:schemeClr val="tx1"/>
+                </a:solidFill>
+                <a:latin typeface="+mn-lt"/>
+                <a:ea typeface="+mn-ea"/>
+                <a:cs typeface="+mn-cs"/>
+              </a:rPr>
+            </a:br>
+            <a:br>
+              <a:rPr lang="en-US" sz="2200" u="sng" kern="1200">
+                <a:solidFill>
+                  <a:schemeClr val="tx1"/>
+                </a:solidFill>
+                <a:latin typeface="+mn-lt"/>
+                <a:ea typeface="+mn-ea"/>
+                <a:cs typeface="+mn-cs"/>
+              </a:rPr>
+            </a:br>
+            <a:br>
+              <a:rPr lang="en-US" sz="2200" u="sng" kern="1200">
+                <a:solidFill>
+                  <a:schemeClr val="tx1"/>
+                </a:solidFill>
+                <a:latin typeface="+mn-lt"/>
+                <a:ea typeface="+mn-ea"/>
+                <a:cs typeface="+mn-cs"/>
+              </a:rPr>
+            </a:br>
+            <a:br>
+              <a:rPr lang="en-US" sz="2200" u="sng" kern="1200">
+                <a:solidFill>
+                  <a:schemeClr val="tx1"/>
+                </a:solidFill>
+                <a:latin typeface="+mn-lt"/>
+                <a:ea typeface="+mn-ea"/>
+                <a:cs typeface="+mn-cs"/>
+              </a:rPr>
+            </a:br>
+            <a:br>
+              <a:rPr lang="en-US" sz="2200" u="sng" kern="1200">
+                <a:solidFill>
+                  <a:schemeClr val="tx1"/>
+                </a:solidFill>
+                <a:latin typeface="+mn-lt"/>
+                <a:ea typeface="+mn-ea"/>
+                <a:cs typeface="+mn-cs"/>
+              </a:rPr>
+            </a:br>
+            <a:br>
+              <a:rPr lang="en-US" sz="2200" u="sng" kern="1200">
+                <a:solidFill>
+                  <a:schemeClr val="tx1"/>
+                </a:solidFill>
+                <a:latin typeface="+mn-lt"/>
+                <a:ea typeface="+mn-ea"/>
+                <a:cs typeface="+mn-cs"/>
+              </a:rPr>
+            </a:br>
+            <a:br>
+              <a:rPr lang="en-US" sz="2200" u="sng" kern="1200">
+                <a:solidFill>
+                  <a:schemeClr val="tx1"/>
+                </a:solidFill>
+                <a:latin typeface="+mn-lt"/>
+                <a:ea typeface="+mn-ea"/>
+                <a:cs typeface="+mn-cs"/>
+              </a:rPr>
+            </a:br>
+            <a:br>
+              <a:rPr lang="en-US" sz="2200" u="sng" kern="1200">
+                <a:solidFill>
+                  <a:schemeClr val="tx1"/>
+                </a:solidFill>
+                <a:latin typeface="+mn-lt"/>
+                <a:ea typeface="+mn-ea"/>
+                <a:cs typeface="+mn-cs"/>
+              </a:rPr>
+            </a:br>
+            <a:br>
+              <a:rPr lang="en-US" sz="2200" u="sng" kern="1200">
+                <a:solidFill>
+                  <a:schemeClr val="tx1"/>
+                </a:solidFill>
+                <a:latin typeface="+mn-lt"/>
+                <a:ea typeface="+mn-ea"/>
+                <a:cs typeface="+mn-cs"/>
+              </a:rPr>
+            </a:br>
+            <a:br>
+              <a:rPr lang="en-US" sz="2200" u="sng" kern="1200">
+                <a:solidFill>
+                  <a:schemeClr val="tx1"/>
+                </a:solidFill>
+                <a:latin typeface="+mn-lt"/>
+                <a:ea typeface="+mn-ea"/>
+                <a:cs typeface="+mn-cs"/>
+              </a:rPr>
+            </a:br>
+            <a:br>
+              <a:rPr lang="en-US" sz="2200" u="sng" kern="1200">
+                <a:solidFill>
+                  <a:schemeClr val="tx1"/>
+                </a:solidFill>
+                <a:latin typeface="+mn-lt"/>
+                <a:ea typeface="+mn-ea"/>
+                <a:cs typeface="+mn-cs"/>
+              </a:rPr>
+            </a:br>
+            <a:br>
+              <a:rPr lang="en-US" sz="2200" u="sng" kern="1200">
+                <a:solidFill>
+                  <a:schemeClr val="tx1"/>
+                </a:solidFill>
+                <a:latin typeface="+mn-lt"/>
+                <a:ea typeface="+mn-ea"/>
+                <a:cs typeface="+mn-cs"/>
+              </a:rPr>
+            </a:br>
+            <a:br>
+              <a:rPr lang="en-US" sz="2200" kern="1200">
+                <a:solidFill>
+                  <a:schemeClr val="tx1"/>
+                </a:solidFill>
+                <a:latin typeface="+mn-lt"/>
+                <a:ea typeface="+mn-ea"/>
+                <a:cs typeface="+mn-cs"/>
+              </a:rPr>
+            </a:br>
+            <a:endParaRPr lang="en-US" sz="2200" kern="1200" dirty="0">
+              <a:solidFill>
+                <a:schemeClr val="tx1"/>
+              </a:solidFill>
+              <a:latin typeface="+mn-lt"/>
+              <a:ea typeface="+mn-ea"/>
+              <a:cs typeface="+mn-cs"/>
+            </a:endParaRPr>
           </a:p>
         </p:txBody>
       </p:sp>
@@ -2956,17 +3456,116 @@
         </p:blipFill>
         <p:spPr>
           <a:xfrm>
-            <a:off x="267357" y="1802626"/>
-            <a:ext cx="6197962" cy="4677707"/>
+            <a:off x="7863840" y="528801"/>
+            <a:ext cx="4014216" cy="3030733"/>
           </a:xfrm>
           <a:prstGeom prst="rect">
             <a:avLst/>
           </a:prstGeom>
-          <a:ln w="12700">
-            <a:miter lim="400000"/>
-          </a:ln>
         </p:spPr>
       </p:pic>
+      <p:pic>
+        <p:nvPicPr>
+          <p:cNvPr id="3" name="Picture 2" descr="A screenshot of a computer&#10;&#10;Description automatically generated">
+            <a:extLst>
+              <a:ext uri="{FF2B5EF4-FFF2-40B4-BE49-F238E27FC236}">
+                <a16:creationId xmlns:a16="http://schemas.microsoft.com/office/drawing/2014/main" id="{95449323-2476-3170-1BC8-7C28E5C4172B}"/>
+              </a:ext>
+            </a:extLst>
+          </p:cNvPr>
+          <p:cNvPicPr>
+            <a:picLocks noChangeAspect="1"/>
+          </p:cNvPicPr>
+          <p:nvPr/>
+        </p:nvPicPr>
+        <p:blipFill>
+          <a:blip r:embed="rId3">
+            <a:extLst>
+              <a:ext uri="{28A0092B-C50C-407E-A947-70E740481C1C}">
+                <a14:useLocalDpi xmlns:a14="http://schemas.microsoft.com/office/drawing/2010/main" val="0"/>
+              </a:ext>
+            </a:extLst>
+          </a:blip>
+          <a:stretch>
+            <a:fillRect/>
+          </a:stretch>
+        </p:blipFill>
+        <p:spPr>
+          <a:xfrm>
+            <a:off x="7863840" y="4183332"/>
+            <a:ext cx="3995928" cy="1967993"/>
+          </a:xfrm>
+          <a:prstGeom prst="rect">
+            <a:avLst/>
+          </a:prstGeom>
+        </p:spPr>
+      </p:pic>
+      <p:sp>
+        <p:nvSpPr>
+          <p:cNvPr id="46" name="Slide Number"/>
+          <p:cNvSpPr txBox="1">
+            <a:spLocks noGrp="1"/>
+          </p:cNvSpPr>
+          <p:nvPr>
+            <p:ph type="sldNum" sz="quarter" idx="2"/>
+          </p:nvPr>
+        </p:nvSpPr>
+        <p:spPr>
+          <a:xfrm>
+            <a:off x="8610600" y="6356350"/>
+            <a:ext cx="2743200" cy="365125"/>
+          </a:xfrm>
+          <a:prstGeom prst="rect">
+            <a:avLst/>
+          </a:prstGeom>
+          <a:extLst>
+            <a:ext uri="{C572A759-6A51-4108-AA02-DFA0A04FC94B}">
+              <ma14:wrappingTextBoxFlag xmlns="" xmlns:m="http://schemas.openxmlformats.org/officeDocument/2006/math" xmlns:a14="http://schemas.microsoft.com/office/drawing/2010/main" xmlns:ma14="http://schemas.microsoft.com/office/mac/drawingml/2011/main" val="1"/>
+            </a:ext>
+          </a:extLst>
+        </p:spPr>
+        <p:txBody>
+          <a:bodyPr vert="horz" lIns="91440" tIns="45720" rIns="91440" bIns="45720" rtlCol="0" anchor="ctr">
+            <a:normAutofit/>
+          </a:bodyPr>
+          <a:lstStyle/>
+          <a:p>
+            <a:pPr hangingPunct="1">
+              <a:spcAft>
+                <a:spcPts val="600"/>
+              </a:spcAft>
+            </a:pPr>
+            <a:fld id="{86CB4B4D-7CA3-9044-876B-883B54F8677D}" type="slidenum">
+              <a:rPr lang="en-US" kern="1200">
+                <a:solidFill>
+                  <a:schemeClr val="tx1">
+                    <a:tint val="75000"/>
+                  </a:schemeClr>
+                </a:solidFill>
+                <a:latin typeface="+mn-lt"/>
+                <a:ea typeface="+mn-ea"/>
+                <a:cs typeface="+mn-cs"/>
+              </a:rPr>
+              <a:pPr hangingPunct="1">
+                <a:spcAft>
+                  <a:spcPts val="600"/>
+                </a:spcAft>
+              </a:pPr>
+              <a:t>2</a:t>
+            </a:fld>
+            <a:endParaRPr lang="en-US" kern="1200">
+              <a:solidFill>
+                <a:schemeClr val="tx1">
+                  <a:tint val="75000"/>
+                </a:schemeClr>
+              </a:solidFill>
+              <a:latin typeface="+mn-lt"/>
+              <a:ea typeface="+mn-ea"/>
+              <a:cs typeface="+mn-cs"/>
+            </a:endParaRPr>
+          </a:p>
+        </p:txBody>
+      </p:sp>
     </p:spTree>
   </p:cSld>
   <p:clrMapOvr>
